--- a/Task1/Task1_ppt.pptx
+++ b/Task1/Task1_ppt.pptx
@@ -117,6 +117,11 @@
       </a:defRPr>
     </a:lvl9pPr>
   </p:defaultTextStyle>
+  <p:extLst>
+    <p:ext uri="{EFAFB233-063F-42B5-8137-9DF3F51BA10A}">
+      <p15:sldGuideLst xmlns:p15="http://schemas.microsoft.com/office/powerpoint/2012/main"/>
+    </p:ext>
+  </p:extLst>
 </p:presentation>
 </file>
 
@@ -142,7 +147,7 @@
           <p:cNvPr id="8" name="Picture Placeholder 7">
             <a:extLst>
               <a:ext uri="{FF2B5EF4-FFF2-40B4-BE49-F238E27FC236}">
-                <a16:creationId xmlns:a16="http://schemas.microsoft.com/office/drawing/2014/main" xmlns="" id="{DF9C7667-EADA-40AC-B931-4642E0A9A4DE}"/>
+                <a16:creationId xmlns="" xmlns:a16="http://schemas.microsoft.com/office/drawing/2014/main" id="{DF9C7667-EADA-40AC-B931-4642E0A9A4DE}"/>
               </a:ext>
             </a:extLst>
           </p:cNvPr>
@@ -194,7 +199,7 @@
           <p:cNvPr id="2" name="Title 1">
             <a:extLst>
               <a:ext uri="{FF2B5EF4-FFF2-40B4-BE49-F238E27FC236}">
-                <a16:creationId xmlns:a16="http://schemas.microsoft.com/office/drawing/2014/main" xmlns="" id="{43379CA9-81D6-424A-8046-4B56E1D25059}"/>
+                <a16:creationId xmlns="" xmlns:a16="http://schemas.microsoft.com/office/drawing/2014/main" id="{43379CA9-81D6-424A-8046-4B56E1D25059}"/>
               </a:ext>
             </a:extLst>
           </p:cNvPr>
@@ -271,7 +276,7 @@
           <p:cNvPr id="2" name="Title 1">
             <a:extLst>
               <a:ext uri="{FF2B5EF4-FFF2-40B4-BE49-F238E27FC236}">
-                <a16:creationId xmlns:a16="http://schemas.microsoft.com/office/drawing/2014/main" xmlns="" id="{43379CA9-81D6-424A-8046-4B56E1D25059}"/>
+                <a16:creationId xmlns="" xmlns:a16="http://schemas.microsoft.com/office/drawing/2014/main" id="{43379CA9-81D6-424A-8046-4B56E1D25059}"/>
               </a:ext>
             </a:extLst>
           </p:cNvPr>
@@ -313,7 +318,7 @@
           <p:cNvPr id="9" name="Picture Placeholder 8">
             <a:extLst>
               <a:ext uri="{FF2B5EF4-FFF2-40B4-BE49-F238E27FC236}">
-                <a16:creationId xmlns:a16="http://schemas.microsoft.com/office/drawing/2014/main" xmlns="" id="{B2F51F73-5064-47F8-83FD-440E0ED1950B}"/>
+                <a16:creationId xmlns="" xmlns:a16="http://schemas.microsoft.com/office/drawing/2014/main" id="{B2F51F73-5064-47F8-83FD-440E0ED1950B}"/>
               </a:ext>
             </a:extLst>
           </p:cNvPr>
@@ -354,7 +359,7 @@
           <p:cNvPr id="18" name="Picture Placeholder 8">
             <a:extLst>
               <a:ext uri="{FF2B5EF4-FFF2-40B4-BE49-F238E27FC236}">
-                <a16:creationId xmlns:a16="http://schemas.microsoft.com/office/drawing/2014/main" xmlns="" id="{06FF689A-8221-42E8-96D4-ED4D3AD501F8}"/>
+                <a16:creationId xmlns="" xmlns:a16="http://schemas.microsoft.com/office/drawing/2014/main" id="{06FF689A-8221-42E8-96D4-ED4D3AD501F8}"/>
               </a:ext>
             </a:extLst>
           </p:cNvPr>
@@ -395,7 +400,7 @@
           <p:cNvPr id="19" name="Picture Placeholder 8">
             <a:extLst>
               <a:ext uri="{FF2B5EF4-FFF2-40B4-BE49-F238E27FC236}">
-                <a16:creationId xmlns:a16="http://schemas.microsoft.com/office/drawing/2014/main" xmlns="" id="{96424DB2-4D46-493F-A5B8-8901EDA394F2}"/>
+                <a16:creationId xmlns="" xmlns:a16="http://schemas.microsoft.com/office/drawing/2014/main" id="{96424DB2-4D46-493F-A5B8-8901EDA394F2}"/>
               </a:ext>
             </a:extLst>
           </p:cNvPr>
@@ -436,7 +441,7 @@
           <p:cNvPr id="20" name="Picture Placeholder 8">
             <a:extLst>
               <a:ext uri="{FF2B5EF4-FFF2-40B4-BE49-F238E27FC236}">
-                <a16:creationId xmlns:a16="http://schemas.microsoft.com/office/drawing/2014/main" xmlns="" id="{0AF2B6E1-5738-41B1-8C15-EA6715490140}"/>
+                <a16:creationId xmlns="" xmlns:a16="http://schemas.microsoft.com/office/drawing/2014/main" id="{0AF2B6E1-5738-41B1-8C15-EA6715490140}"/>
               </a:ext>
             </a:extLst>
           </p:cNvPr>
@@ -477,7 +482,7 @@
           <p:cNvPr id="21" name="Picture Placeholder 8">
             <a:extLst>
               <a:ext uri="{FF2B5EF4-FFF2-40B4-BE49-F238E27FC236}">
-                <a16:creationId xmlns:a16="http://schemas.microsoft.com/office/drawing/2014/main" xmlns="" id="{6C8D73EB-347C-4E13-94C8-FA8FADE46559}"/>
+                <a16:creationId xmlns="" xmlns:a16="http://schemas.microsoft.com/office/drawing/2014/main" id="{6C8D73EB-347C-4E13-94C8-FA8FADE46559}"/>
               </a:ext>
             </a:extLst>
           </p:cNvPr>
@@ -518,7 +523,7 @@
           <p:cNvPr id="22" name="Picture Placeholder 8">
             <a:extLst>
               <a:ext uri="{FF2B5EF4-FFF2-40B4-BE49-F238E27FC236}">
-                <a16:creationId xmlns:a16="http://schemas.microsoft.com/office/drawing/2014/main" xmlns="" id="{9DFA5C56-9B47-4F87-8E12-30A936274F1B}"/>
+                <a16:creationId xmlns="" xmlns:a16="http://schemas.microsoft.com/office/drawing/2014/main" id="{9DFA5C56-9B47-4F87-8E12-30A936274F1B}"/>
               </a:ext>
             </a:extLst>
           </p:cNvPr>
@@ -559,7 +564,7 @@
           <p:cNvPr id="23" name="Picture Placeholder 8">
             <a:extLst>
               <a:ext uri="{FF2B5EF4-FFF2-40B4-BE49-F238E27FC236}">
-                <a16:creationId xmlns:a16="http://schemas.microsoft.com/office/drawing/2014/main" xmlns="" id="{1E3B5888-98ED-48E4-8AA8-5BAB43F8516C}"/>
+                <a16:creationId xmlns="" xmlns:a16="http://schemas.microsoft.com/office/drawing/2014/main" id="{1E3B5888-98ED-48E4-8AA8-5BAB43F8516C}"/>
               </a:ext>
             </a:extLst>
           </p:cNvPr>
@@ -600,7 +605,7 @@
           <p:cNvPr id="24" name="Picture Placeholder 8">
             <a:extLst>
               <a:ext uri="{FF2B5EF4-FFF2-40B4-BE49-F238E27FC236}">
-                <a16:creationId xmlns:a16="http://schemas.microsoft.com/office/drawing/2014/main" xmlns="" id="{569C9EE3-34D1-4DE0-B06C-2F6212F7C329}"/>
+                <a16:creationId xmlns="" xmlns:a16="http://schemas.microsoft.com/office/drawing/2014/main" id="{569C9EE3-34D1-4DE0-B06C-2F6212F7C329}"/>
               </a:ext>
             </a:extLst>
           </p:cNvPr>
@@ -671,7 +676,7 @@
           <p:cNvPr id="8" name="Rectangle 7">
             <a:extLst>
               <a:ext uri="{FF2B5EF4-FFF2-40B4-BE49-F238E27FC236}">
-                <a16:creationId xmlns:a16="http://schemas.microsoft.com/office/drawing/2014/main" xmlns="" id="{5462B86F-90E5-425E-9F83-8477D8111E1D}"/>
+                <a16:creationId xmlns="" xmlns:a16="http://schemas.microsoft.com/office/drawing/2014/main" id="{5462B86F-90E5-425E-9F83-8477D8111E1D}"/>
               </a:ext>
             </a:extLst>
           </p:cNvPr>
@@ -723,7 +728,7 @@
           <p:cNvPr id="9" name="Rectangle 8">
             <a:extLst>
               <a:ext uri="{FF2B5EF4-FFF2-40B4-BE49-F238E27FC236}">
-                <a16:creationId xmlns:a16="http://schemas.microsoft.com/office/drawing/2014/main" xmlns="" id="{F5269853-3C2C-4F9C-B1BB-E00F7A1DB9E1}"/>
+                <a16:creationId xmlns="" xmlns:a16="http://schemas.microsoft.com/office/drawing/2014/main" id="{F5269853-3C2C-4F9C-B1BB-E00F7A1DB9E1}"/>
               </a:ext>
             </a:extLst>
           </p:cNvPr>
@@ -775,7 +780,7 @@
           <p:cNvPr id="11" name="Rectangle 10">
             <a:extLst>
               <a:ext uri="{FF2B5EF4-FFF2-40B4-BE49-F238E27FC236}">
-                <a16:creationId xmlns:a16="http://schemas.microsoft.com/office/drawing/2014/main" xmlns="" id="{93759D58-52AF-4785-8A33-F528F46D88A3}"/>
+                <a16:creationId xmlns="" xmlns:a16="http://schemas.microsoft.com/office/drawing/2014/main" id="{93759D58-52AF-4785-8A33-F528F46D88A3}"/>
               </a:ext>
             </a:extLst>
           </p:cNvPr>
@@ -827,7 +832,7 @@
           <p:cNvPr id="12" name="Rectangle 11">
             <a:extLst>
               <a:ext uri="{FF2B5EF4-FFF2-40B4-BE49-F238E27FC236}">
-                <a16:creationId xmlns:a16="http://schemas.microsoft.com/office/drawing/2014/main" xmlns="" id="{6AD3E0F4-EC0D-43C2-AC84-A53134C8566E}"/>
+                <a16:creationId xmlns="" xmlns:a16="http://schemas.microsoft.com/office/drawing/2014/main" id="{6AD3E0F4-EC0D-43C2-AC84-A53134C8566E}"/>
               </a:ext>
             </a:extLst>
           </p:cNvPr>
@@ -879,7 +884,7 @@
           <p:cNvPr id="2" name="Title 1">
             <a:extLst>
               <a:ext uri="{FF2B5EF4-FFF2-40B4-BE49-F238E27FC236}">
-                <a16:creationId xmlns:a16="http://schemas.microsoft.com/office/drawing/2014/main" xmlns="" id="{43379CA9-81D6-424A-8046-4B56E1D25059}"/>
+                <a16:creationId xmlns="" xmlns:a16="http://schemas.microsoft.com/office/drawing/2014/main" id="{43379CA9-81D6-424A-8046-4B56E1D25059}"/>
               </a:ext>
             </a:extLst>
           </p:cNvPr>
@@ -923,7 +928,7 @@
           <p:cNvPr id="10" name="Text Placeholder 9">
             <a:extLst>
               <a:ext uri="{FF2B5EF4-FFF2-40B4-BE49-F238E27FC236}">
-                <a16:creationId xmlns:a16="http://schemas.microsoft.com/office/drawing/2014/main" xmlns="" id="{2A60302F-65DB-4E93-B6C3-49E64C44FB53}"/>
+                <a16:creationId xmlns="" xmlns:a16="http://schemas.microsoft.com/office/drawing/2014/main" id="{2A60302F-65DB-4E93-B6C3-49E64C44FB53}"/>
               </a:ext>
             </a:extLst>
           </p:cNvPr>
@@ -991,7 +996,7 @@
           <p:cNvPr id="7" name="Picture Placeholder 6">
             <a:extLst>
               <a:ext uri="{FF2B5EF4-FFF2-40B4-BE49-F238E27FC236}">
-                <a16:creationId xmlns:a16="http://schemas.microsoft.com/office/drawing/2014/main" xmlns="" id="{9A66F217-0E52-4AD8-82BA-AB332C59638C}"/>
+                <a16:creationId xmlns="" xmlns:a16="http://schemas.microsoft.com/office/drawing/2014/main" id="{9A66F217-0E52-4AD8-82BA-AB332C59638C}"/>
               </a:ext>
             </a:extLst>
           </p:cNvPr>
@@ -1044,7 +1049,7 @@
   <p:extLst mod="1">
     <p:ext uri="{DCECCB84-F9BA-43D5-87BE-67443E8EF086}">
       <p15:sldGuideLst xmlns:p15="http://schemas.microsoft.com/office/powerpoint/2012/main">
-        <p15:guide id="4294967295" pos="3840">
+        <p15:guide id="1" pos="3840">
           <p15:clr>
             <a:srgbClr val="FBAE40"/>
           </p15:clr>
@@ -1077,7 +1082,7 @@
           <p:cNvPr id="2" name="Title 1">
             <a:extLst>
               <a:ext uri="{FF2B5EF4-FFF2-40B4-BE49-F238E27FC236}">
-                <a16:creationId xmlns:a16="http://schemas.microsoft.com/office/drawing/2014/main" xmlns="" id="{43379CA9-81D6-424A-8046-4B56E1D25059}"/>
+                <a16:creationId xmlns="" xmlns:a16="http://schemas.microsoft.com/office/drawing/2014/main" id="{43379CA9-81D6-424A-8046-4B56E1D25059}"/>
               </a:ext>
             </a:extLst>
           </p:cNvPr>
@@ -1119,7 +1124,7 @@
           <p:cNvPr id="9" name="Picture Placeholder 8">
             <a:extLst>
               <a:ext uri="{FF2B5EF4-FFF2-40B4-BE49-F238E27FC236}">
-                <a16:creationId xmlns:a16="http://schemas.microsoft.com/office/drawing/2014/main" xmlns="" id="{B2F51F73-5064-47F8-83FD-440E0ED1950B}"/>
+                <a16:creationId xmlns="" xmlns:a16="http://schemas.microsoft.com/office/drawing/2014/main" id="{B2F51F73-5064-47F8-83FD-440E0ED1950B}"/>
               </a:ext>
             </a:extLst>
           </p:cNvPr>
@@ -1160,7 +1165,7 @@
           <p:cNvPr id="18" name="Picture Placeholder 8">
             <a:extLst>
               <a:ext uri="{FF2B5EF4-FFF2-40B4-BE49-F238E27FC236}">
-                <a16:creationId xmlns:a16="http://schemas.microsoft.com/office/drawing/2014/main" xmlns="" id="{06FF689A-8221-42E8-96D4-ED4D3AD501F8}"/>
+                <a16:creationId xmlns="" xmlns:a16="http://schemas.microsoft.com/office/drawing/2014/main" id="{06FF689A-8221-42E8-96D4-ED4D3AD501F8}"/>
               </a:ext>
             </a:extLst>
           </p:cNvPr>
@@ -1201,7 +1206,7 @@
           <p:cNvPr id="19" name="Picture Placeholder 8">
             <a:extLst>
               <a:ext uri="{FF2B5EF4-FFF2-40B4-BE49-F238E27FC236}">
-                <a16:creationId xmlns:a16="http://schemas.microsoft.com/office/drawing/2014/main" xmlns="" id="{96424DB2-4D46-493F-A5B8-8901EDA394F2}"/>
+                <a16:creationId xmlns="" xmlns:a16="http://schemas.microsoft.com/office/drawing/2014/main" id="{96424DB2-4D46-493F-A5B8-8901EDA394F2}"/>
               </a:ext>
             </a:extLst>
           </p:cNvPr>
@@ -1242,7 +1247,7 @@
           <p:cNvPr id="20" name="Picture Placeholder 8">
             <a:extLst>
               <a:ext uri="{FF2B5EF4-FFF2-40B4-BE49-F238E27FC236}">
-                <a16:creationId xmlns:a16="http://schemas.microsoft.com/office/drawing/2014/main" xmlns="" id="{0AF2B6E1-5738-41B1-8C15-EA6715490140}"/>
+                <a16:creationId xmlns="" xmlns:a16="http://schemas.microsoft.com/office/drawing/2014/main" id="{0AF2B6E1-5738-41B1-8C15-EA6715490140}"/>
               </a:ext>
             </a:extLst>
           </p:cNvPr>
@@ -1283,7 +1288,7 @@
           <p:cNvPr id="21" name="Picture Placeholder 8">
             <a:extLst>
               <a:ext uri="{FF2B5EF4-FFF2-40B4-BE49-F238E27FC236}">
-                <a16:creationId xmlns:a16="http://schemas.microsoft.com/office/drawing/2014/main" xmlns="" id="{6C8D73EB-347C-4E13-94C8-FA8FADE46559}"/>
+                <a16:creationId xmlns="" xmlns:a16="http://schemas.microsoft.com/office/drawing/2014/main" id="{6C8D73EB-347C-4E13-94C8-FA8FADE46559}"/>
               </a:ext>
             </a:extLst>
           </p:cNvPr>
@@ -1324,7 +1329,7 @@
           <p:cNvPr id="22" name="Picture Placeholder 8">
             <a:extLst>
               <a:ext uri="{FF2B5EF4-FFF2-40B4-BE49-F238E27FC236}">
-                <a16:creationId xmlns:a16="http://schemas.microsoft.com/office/drawing/2014/main" xmlns="" id="{9DFA5C56-9B47-4F87-8E12-30A936274F1B}"/>
+                <a16:creationId xmlns="" xmlns:a16="http://schemas.microsoft.com/office/drawing/2014/main" id="{9DFA5C56-9B47-4F87-8E12-30A936274F1B}"/>
               </a:ext>
             </a:extLst>
           </p:cNvPr>
@@ -1365,7 +1370,7 @@
           <p:cNvPr id="23" name="Picture Placeholder 8">
             <a:extLst>
               <a:ext uri="{FF2B5EF4-FFF2-40B4-BE49-F238E27FC236}">
-                <a16:creationId xmlns:a16="http://schemas.microsoft.com/office/drawing/2014/main" xmlns="" id="{1E3B5888-98ED-48E4-8AA8-5BAB43F8516C}"/>
+                <a16:creationId xmlns="" xmlns:a16="http://schemas.microsoft.com/office/drawing/2014/main" id="{1E3B5888-98ED-48E4-8AA8-5BAB43F8516C}"/>
               </a:ext>
             </a:extLst>
           </p:cNvPr>
@@ -1406,7 +1411,7 @@
           <p:cNvPr id="24" name="Picture Placeholder 8">
             <a:extLst>
               <a:ext uri="{FF2B5EF4-FFF2-40B4-BE49-F238E27FC236}">
-                <a16:creationId xmlns:a16="http://schemas.microsoft.com/office/drawing/2014/main" xmlns="" id="{569C9EE3-34D1-4DE0-B06C-2F6212F7C329}"/>
+                <a16:creationId xmlns="" xmlns:a16="http://schemas.microsoft.com/office/drawing/2014/main" id="{569C9EE3-34D1-4DE0-B06C-2F6212F7C329}"/>
               </a:ext>
             </a:extLst>
           </p:cNvPr>
@@ -1477,7 +1482,7 @@
           <p:cNvPr id="8" name="Rectangle 7">
             <a:extLst>
               <a:ext uri="{FF2B5EF4-FFF2-40B4-BE49-F238E27FC236}">
-                <a16:creationId xmlns:a16="http://schemas.microsoft.com/office/drawing/2014/main" xmlns="" id="{53A3BC27-A809-4F76-931E-2DE01059A5AB}"/>
+                <a16:creationId xmlns="" xmlns:a16="http://schemas.microsoft.com/office/drawing/2014/main" id="{53A3BC27-A809-4F76-931E-2DE01059A5AB}"/>
               </a:ext>
             </a:extLst>
           </p:cNvPr>
@@ -1529,7 +1534,7 @@
           <p:cNvPr id="9" name="Rectangle 8">
             <a:extLst>
               <a:ext uri="{FF2B5EF4-FFF2-40B4-BE49-F238E27FC236}">
-                <a16:creationId xmlns:a16="http://schemas.microsoft.com/office/drawing/2014/main" xmlns="" id="{D96A5108-5EBA-43CE-BA4A-DA9EEF5D808A}"/>
+                <a16:creationId xmlns="" xmlns:a16="http://schemas.microsoft.com/office/drawing/2014/main" id="{D96A5108-5EBA-43CE-BA4A-DA9EEF5D808A}"/>
               </a:ext>
             </a:extLst>
           </p:cNvPr>
@@ -1581,7 +1586,7 @@
           <p:cNvPr id="11" name="Rectangle 10">
             <a:extLst>
               <a:ext uri="{FF2B5EF4-FFF2-40B4-BE49-F238E27FC236}">
-                <a16:creationId xmlns:a16="http://schemas.microsoft.com/office/drawing/2014/main" xmlns="" id="{E2712910-50D0-4906-AB08-F37D02F96D4A}"/>
+                <a16:creationId xmlns="" xmlns:a16="http://schemas.microsoft.com/office/drawing/2014/main" id="{E2712910-50D0-4906-AB08-F37D02F96D4A}"/>
               </a:ext>
             </a:extLst>
           </p:cNvPr>
@@ -1633,7 +1638,7 @@
           <p:cNvPr id="12" name="Rectangle 11">
             <a:extLst>
               <a:ext uri="{FF2B5EF4-FFF2-40B4-BE49-F238E27FC236}">
-                <a16:creationId xmlns:a16="http://schemas.microsoft.com/office/drawing/2014/main" xmlns="" id="{7DAC760C-BE23-4DA2-A294-3B5668F8AECA}"/>
+                <a16:creationId xmlns="" xmlns:a16="http://schemas.microsoft.com/office/drawing/2014/main" id="{7DAC760C-BE23-4DA2-A294-3B5668F8AECA}"/>
               </a:ext>
             </a:extLst>
           </p:cNvPr>
@@ -1685,7 +1690,7 @@
           <p:cNvPr id="2" name="Title 1">
             <a:extLst>
               <a:ext uri="{FF2B5EF4-FFF2-40B4-BE49-F238E27FC236}">
-                <a16:creationId xmlns:a16="http://schemas.microsoft.com/office/drawing/2014/main" xmlns="" id="{43379CA9-81D6-424A-8046-4B56E1D25059}"/>
+                <a16:creationId xmlns="" xmlns:a16="http://schemas.microsoft.com/office/drawing/2014/main" id="{43379CA9-81D6-424A-8046-4B56E1D25059}"/>
               </a:ext>
             </a:extLst>
           </p:cNvPr>
@@ -1727,7 +1732,7 @@
           <p:cNvPr id="10" name="Text Placeholder 9">
             <a:extLst>
               <a:ext uri="{FF2B5EF4-FFF2-40B4-BE49-F238E27FC236}">
-                <a16:creationId xmlns:a16="http://schemas.microsoft.com/office/drawing/2014/main" xmlns="" id="{2A60302F-65DB-4E93-B6C3-49E64C44FB53}"/>
+                <a16:creationId xmlns="" xmlns:a16="http://schemas.microsoft.com/office/drawing/2014/main" id="{2A60302F-65DB-4E93-B6C3-49E64C44FB53}"/>
               </a:ext>
             </a:extLst>
           </p:cNvPr>
@@ -1795,7 +1800,7 @@
           <p:cNvPr id="7" name="Picture Placeholder 6">
             <a:extLst>
               <a:ext uri="{FF2B5EF4-FFF2-40B4-BE49-F238E27FC236}">
-                <a16:creationId xmlns:a16="http://schemas.microsoft.com/office/drawing/2014/main" xmlns="" id="{9A66F217-0E52-4AD8-82BA-AB332C59638C}"/>
+                <a16:creationId xmlns="" xmlns:a16="http://schemas.microsoft.com/office/drawing/2014/main" id="{9A66F217-0E52-4AD8-82BA-AB332C59638C}"/>
               </a:ext>
             </a:extLst>
           </p:cNvPr>
@@ -1851,7 +1856,7 @@
   <p:extLst mod="1">
     <p:ext uri="{DCECCB84-F9BA-43D5-87BE-67443E8EF086}">
       <p15:sldGuideLst xmlns:p15="http://schemas.microsoft.com/office/powerpoint/2012/main">
-        <p15:guide id="4294967295" pos="3840">
+        <p15:guide id="1" pos="3840">
           <p15:clr>
             <a:srgbClr val="FBAE40"/>
           </p15:clr>
@@ -1884,7 +1889,7 @@
           <p:cNvPr id="8" name="Picture Placeholder 7">
             <a:extLst>
               <a:ext uri="{FF2B5EF4-FFF2-40B4-BE49-F238E27FC236}">
-                <a16:creationId xmlns:a16="http://schemas.microsoft.com/office/drawing/2014/main" xmlns="" id="{DF9C7667-EADA-40AC-B931-4642E0A9A4DE}"/>
+                <a16:creationId xmlns="" xmlns:a16="http://schemas.microsoft.com/office/drawing/2014/main" id="{DF9C7667-EADA-40AC-B931-4642E0A9A4DE}"/>
               </a:ext>
             </a:extLst>
           </p:cNvPr>
@@ -1936,7 +1941,7 @@
           <p:cNvPr id="2" name="Title 1">
             <a:extLst>
               <a:ext uri="{FF2B5EF4-FFF2-40B4-BE49-F238E27FC236}">
-                <a16:creationId xmlns:a16="http://schemas.microsoft.com/office/drawing/2014/main" xmlns="" id="{43379CA9-81D6-424A-8046-4B56E1D25059}"/>
+                <a16:creationId xmlns="" xmlns:a16="http://schemas.microsoft.com/office/drawing/2014/main" id="{43379CA9-81D6-424A-8046-4B56E1D25059}"/>
               </a:ext>
             </a:extLst>
           </p:cNvPr>
@@ -1973,7 +1978,7 @@
           <p:cNvPr id="10" name="Text Placeholder 9">
             <a:extLst>
               <a:ext uri="{FF2B5EF4-FFF2-40B4-BE49-F238E27FC236}">
-                <a16:creationId xmlns:a16="http://schemas.microsoft.com/office/drawing/2014/main" xmlns="" id="{2A60302F-65DB-4E93-B6C3-49E64C44FB53}"/>
+                <a16:creationId xmlns="" xmlns:a16="http://schemas.microsoft.com/office/drawing/2014/main" id="{2A60302F-65DB-4E93-B6C3-49E64C44FB53}"/>
               </a:ext>
             </a:extLst>
           </p:cNvPr>
@@ -2041,7 +2046,7 @@
           <p:cNvPr id="7" name="Text Placeholder 6">
             <a:extLst>
               <a:ext uri="{FF2B5EF4-FFF2-40B4-BE49-F238E27FC236}">
-                <a16:creationId xmlns:a16="http://schemas.microsoft.com/office/drawing/2014/main" xmlns="" id="{EC1CB8E8-F58A-4B26-B8AA-8977FC608E83}"/>
+                <a16:creationId xmlns="" xmlns:a16="http://schemas.microsoft.com/office/drawing/2014/main" id="{EC1CB8E8-F58A-4B26-B8AA-8977FC608E83}"/>
               </a:ext>
             </a:extLst>
           </p:cNvPr>
@@ -2159,7 +2164,7 @@
           <p:cNvPr id="2" name="Title 1">
             <a:extLst>
               <a:ext uri="{FF2B5EF4-FFF2-40B4-BE49-F238E27FC236}">
-                <a16:creationId xmlns:a16="http://schemas.microsoft.com/office/drawing/2014/main" xmlns="" id="{43379CA9-81D6-424A-8046-4B56E1D25059}"/>
+                <a16:creationId xmlns="" xmlns:a16="http://schemas.microsoft.com/office/drawing/2014/main" id="{43379CA9-81D6-424A-8046-4B56E1D25059}"/>
               </a:ext>
             </a:extLst>
           </p:cNvPr>
@@ -2201,7 +2206,7 @@
           <p:cNvPr id="9" name="Picture Placeholder 8">
             <a:extLst>
               <a:ext uri="{FF2B5EF4-FFF2-40B4-BE49-F238E27FC236}">
-                <a16:creationId xmlns:a16="http://schemas.microsoft.com/office/drawing/2014/main" xmlns="" id="{B2F51F73-5064-47F8-83FD-440E0ED1950B}"/>
+                <a16:creationId xmlns="" xmlns:a16="http://schemas.microsoft.com/office/drawing/2014/main" id="{B2F51F73-5064-47F8-83FD-440E0ED1950B}"/>
               </a:ext>
             </a:extLst>
           </p:cNvPr>
@@ -2242,7 +2247,7 @@
           <p:cNvPr id="18" name="Picture Placeholder 8">
             <a:extLst>
               <a:ext uri="{FF2B5EF4-FFF2-40B4-BE49-F238E27FC236}">
-                <a16:creationId xmlns:a16="http://schemas.microsoft.com/office/drawing/2014/main" xmlns="" id="{06FF689A-8221-42E8-96D4-ED4D3AD501F8}"/>
+                <a16:creationId xmlns="" xmlns:a16="http://schemas.microsoft.com/office/drawing/2014/main" id="{06FF689A-8221-42E8-96D4-ED4D3AD501F8}"/>
               </a:ext>
             </a:extLst>
           </p:cNvPr>
@@ -2283,7 +2288,7 @@
           <p:cNvPr id="19" name="Picture Placeholder 8">
             <a:extLst>
               <a:ext uri="{FF2B5EF4-FFF2-40B4-BE49-F238E27FC236}">
-                <a16:creationId xmlns:a16="http://schemas.microsoft.com/office/drawing/2014/main" xmlns="" id="{96424DB2-4D46-493F-A5B8-8901EDA394F2}"/>
+                <a16:creationId xmlns="" xmlns:a16="http://schemas.microsoft.com/office/drawing/2014/main" id="{96424DB2-4D46-493F-A5B8-8901EDA394F2}"/>
               </a:ext>
             </a:extLst>
           </p:cNvPr>
@@ -2324,7 +2329,7 @@
           <p:cNvPr id="20" name="Picture Placeholder 8">
             <a:extLst>
               <a:ext uri="{FF2B5EF4-FFF2-40B4-BE49-F238E27FC236}">
-                <a16:creationId xmlns:a16="http://schemas.microsoft.com/office/drawing/2014/main" xmlns="" id="{0AF2B6E1-5738-41B1-8C15-EA6715490140}"/>
+                <a16:creationId xmlns="" xmlns:a16="http://schemas.microsoft.com/office/drawing/2014/main" id="{0AF2B6E1-5738-41B1-8C15-EA6715490140}"/>
               </a:ext>
             </a:extLst>
           </p:cNvPr>
@@ -2365,7 +2370,7 @@
           <p:cNvPr id="21" name="Picture Placeholder 8">
             <a:extLst>
               <a:ext uri="{FF2B5EF4-FFF2-40B4-BE49-F238E27FC236}">
-                <a16:creationId xmlns:a16="http://schemas.microsoft.com/office/drawing/2014/main" xmlns="" id="{6C8D73EB-347C-4E13-94C8-FA8FADE46559}"/>
+                <a16:creationId xmlns="" xmlns:a16="http://schemas.microsoft.com/office/drawing/2014/main" id="{6C8D73EB-347C-4E13-94C8-FA8FADE46559}"/>
               </a:ext>
             </a:extLst>
           </p:cNvPr>
@@ -2406,7 +2411,7 @@
           <p:cNvPr id="22" name="Picture Placeholder 8">
             <a:extLst>
               <a:ext uri="{FF2B5EF4-FFF2-40B4-BE49-F238E27FC236}">
-                <a16:creationId xmlns:a16="http://schemas.microsoft.com/office/drawing/2014/main" xmlns="" id="{9DFA5C56-9B47-4F87-8E12-30A936274F1B}"/>
+                <a16:creationId xmlns="" xmlns:a16="http://schemas.microsoft.com/office/drawing/2014/main" id="{9DFA5C56-9B47-4F87-8E12-30A936274F1B}"/>
               </a:ext>
             </a:extLst>
           </p:cNvPr>
@@ -2447,7 +2452,7 @@
           <p:cNvPr id="23" name="Picture Placeholder 8">
             <a:extLst>
               <a:ext uri="{FF2B5EF4-FFF2-40B4-BE49-F238E27FC236}">
-                <a16:creationId xmlns:a16="http://schemas.microsoft.com/office/drawing/2014/main" xmlns="" id="{1E3B5888-98ED-48E4-8AA8-5BAB43F8516C}"/>
+                <a16:creationId xmlns="" xmlns:a16="http://schemas.microsoft.com/office/drawing/2014/main" id="{1E3B5888-98ED-48E4-8AA8-5BAB43F8516C}"/>
               </a:ext>
             </a:extLst>
           </p:cNvPr>
@@ -2488,7 +2493,7 @@
           <p:cNvPr id="24" name="Picture Placeholder 8">
             <a:extLst>
               <a:ext uri="{FF2B5EF4-FFF2-40B4-BE49-F238E27FC236}">
-                <a16:creationId xmlns:a16="http://schemas.microsoft.com/office/drawing/2014/main" xmlns="" id="{569C9EE3-34D1-4DE0-B06C-2F6212F7C329}"/>
+                <a16:creationId xmlns="" xmlns:a16="http://schemas.microsoft.com/office/drawing/2014/main" id="{569C9EE3-34D1-4DE0-B06C-2F6212F7C329}"/>
               </a:ext>
             </a:extLst>
           </p:cNvPr>
@@ -2559,7 +2564,7 @@
           <p:cNvPr id="11" name="Rectangle 10">
             <a:extLst>
               <a:ext uri="{FF2B5EF4-FFF2-40B4-BE49-F238E27FC236}">
-                <a16:creationId xmlns:a16="http://schemas.microsoft.com/office/drawing/2014/main" xmlns="" id="{50869985-B973-4011-9FA2-83D7EBB2EA53}"/>
+                <a16:creationId xmlns="" xmlns:a16="http://schemas.microsoft.com/office/drawing/2014/main" id="{50869985-B973-4011-9FA2-83D7EBB2EA53}"/>
               </a:ext>
             </a:extLst>
           </p:cNvPr>
@@ -2611,7 +2616,7 @@
           <p:cNvPr id="2" name="Title 1">
             <a:extLst>
               <a:ext uri="{FF2B5EF4-FFF2-40B4-BE49-F238E27FC236}">
-                <a16:creationId xmlns:a16="http://schemas.microsoft.com/office/drawing/2014/main" xmlns="" id="{43379CA9-81D6-424A-8046-4B56E1D25059}"/>
+                <a16:creationId xmlns="" xmlns:a16="http://schemas.microsoft.com/office/drawing/2014/main" id="{43379CA9-81D6-424A-8046-4B56E1D25059}"/>
               </a:ext>
             </a:extLst>
           </p:cNvPr>
@@ -2653,7 +2658,7 @@
           <p:cNvPr id="10" name="Text Placeholder 9">
             <a:extLst>
               <a:ext uri="{FF2B5EF4-FFF2-40B4-BE49-F238E27FC236}">
-                <a16:creationId xmlns:a16="http://schemas.microsoft.com/office/drawing/2014/main" xmlns="" id="{2A60302F-65DB-4E93-B6C3-49E64C44FB53}"/>
+                <a16:creationId xmlns="" xmlns:a16="http://schemas.microsoft.com/office/drawing/2014/main" id="{2A60302F-65DB-4E93-B6C3-49E64C44FB53}"/>
               </a:ext>
             </a:extLst>
           </p:cNvPr>
@@ -2721,7 +2726,7 @@
           <p:cNvPr id="7" name="Picture Placeholder 6">
             <a:extLst>
               <a:ext uri="{FF2B5EF4-FFF2-40B4-BE49-F238E27FC236}">
-                <a16:creationId xmlns:a16="http://schemas.microsoft.com/office/drawing/2014/main" xmlns="" id="{9A66F217-0E52-4AD8-82BA-AB332C59638C}"/>
+                <a16:creationId xmlns="" xmlns:a16="http://schemas.microsoft.com/office/drawing/2014/main" id="{9A66F217-0E52-4AD8-82BA-AB332C59638C}"/>
               </a:ext>
             </a:extLst>
           </p:cNvPr>
@@ -2767,7 +2772,7 @@
           <p:cNvPr id="8" name="Rectangle 7">
             <a:extLst>
               <a:ext uri="{FF2B5EF4-FFF2-40B4-BE49-F238E27FC236}">
-                <a16:creationId xmlns:a16="http://schemas.microsoft.com/office/drawing/2014/main" xmlns="" id="{E75D44F0-DADD-4DCC-82EC-FDB3E9878AA9}"/>
+                <a16:creationId xmlns="" xmlns:a16="http://schemas.microsoft.com/office/drawing/2014/main" id="{E75D44F0-DADD-4DCC-82EC-FDB3E9878AA9}"/>
               </a:ext>
             </a:extLst>
           </p:cNvPr>
@@ -2819,7 +2824,7 @@
           <p:cNvPr id="9" name="Rectangle 8">
             <a:extLst>
               <a:ext uri="{FF2B5EF4-FFF2-40B4-BE49-F238E27FC236}">
-                <a16:creationId xmlns:a16="http://schemas.microsoft.com/office/drawing/2014/main" xmlns="" id="{28CFE2C9-8B6E-4DDA-A5EA-04581F7629F0}"/>
+                <a16:creationId xmlns="" xmlns:a16="http://schemas.microsoft.com/office/drawing/2014/main" id="{28CFE2C9-8B6E-4DDA-A5EA-04581F7629F0}"/>
               </a:ext>
             </a:extLst>
           </p:cNvPr>
@@ -2879,7 +2884,7 @@
   <p:extLst mod="1">
     <p:ext uri="{DCECCB84-F9BA-43D5-87BE-67443E8EF086}">
       <p15:sldGuideLst xmlns:p15="http://schemas.microsoft.com/office/powerpoint/2012/main">
-        <p15:guide id="4294967295" pos="3840">
+        <p15:guide id="1" pos="3840">
           <p15:clr>
             <a:srgbClr val="FBAE40"/>
           </p15:clr>
@@ -2958,7 +2963,7 @@
           <p:cNvPr id="12" name="Title 1">
             <a:extLst>
               <a:ext uri="{FF2B5EF4-FFF2-40B4-BE49-F238E27FC236}">
-                <a16:creationId xmlns:a16="http://schemas.microsoft.com/office/drawing/2014/main" xmlns="" id="{96FEDCD9-19A7-423B-ABE0-DDD032DE8879}"/>
+                <a16:creationId xmlns="" xmlns:a16="http://schemas.microsoft.com/office/drawing/2014/main" id="{96FEDCD9-19A7-423B-ABE0-DDD032DE8879}"/>
               </a:ext>
             </a:extLst>
           </p:cNvPr>
@@ -2999,7 +3004,7 @@
           <p:cNvPr id="14" name="Text Placeholder 9">
             <a:extLst>
               <a:ext uri="{FF2B5EF4-FFF2-40B4-BE49-F238E27FC236}">
-                <a16:creationId xmlns:a16="http://schemas.microsoft.com/office/drawing/2014/main" xmlns="" id="{EBD7372B-17B4-4062-8BFA-745581B27349}"/>
+                <a16:creationId xmlns="" xmlns:a16="http://schemas.microsoft.com/office/drawing/2014/main" id="{EBD7372B-17B4-4062-8BFA-745581B27349}"/>
               </a:ext>
             </a:extLst>
           </p:cNvPr>
@@ -3064,7 +3069,7 @@
           <p:cNvPr id="3" name="Picture Placeholder 2">
             <a:extLst>
               <a:ext uri="{FF2B5EF4-FFF2-40B4-BE49-F238E27FC236}">
-                <a16:creationId xmlns:a16="http://schemas.microsoft.com/office/drawing/2014/main" xmlns="" id="{C09A28F9-9D68-48A2-A1AD-C1C318C0EC8D}"/>
+                <a16:creationId xmlns="" xmlns:a16="http://schemas.microsoft.com/office/drawing/2014/main" id="{C09A28F9-9D68-48A2-A1AD-C1C318C0EC8D}"/>
               </a:ext>
             </a:extLst>
           </p:cNvPr>
@@ -3116,12 +3121,12 @@
   <p:extLst mod="1">
     <p:ext uri="{DCECCB84-F9BA-43D5-87BE-67443E8EF086}">
       <p15:sldGuideLst xmlns:p15="http://schemas.microsoft.com/office/powerpoint/2012/main">
-        <p15:guide id="4294967295" orient="horz" pos="1032">
+        <p15:guide id="1" orient="horz" pos="1032">
           <p15:clr>
             <a:srgbClr val="FBAE40"/>
           </p15:clr>
         </p15:guide>
-        <p15:guide id="4294967295" pos="336">
+        <p15:guide id="2" pos="336">
           <p15:clr>
             <a:srgbClr val="FBAE40"/>
           </p15:clr>
@@ -3527,7 +3532,7 @@
           <p:cNvPr id="2" name="Title 1">
             <a:extLst>
               <a:ext uri="{FF2B5EF4-FFF2-40B4-BE49-F238E27FC236}">
-                <a16:creationId xmlns:a16="http://schemas.microsoft.com/office/drawing/2014/main" xmlns="" id="{43379CA9-81D6-424A-8046-4B56E1D25059}"/>
+                <a16:creationId xmlns="" xmlns:a16="http://schemas.microsoft.com/office/drawing/2014/main" id="{43379CA9-81D6-424A-8046-4B56E1D25059}"/>
               </a:ext>
             </a:extLst>
           </p:cNvPr>
@@ -3569,7 +3574,7 @@
           <p:cNvPr id="9" name="Picture Placeholder 8">
             <a:extLst>
               <a:ext uri="{FF2B5EF4-FFF2-40B4-BE49-F238E27FC236}">
-                <a16:creationId xmlns:a16="http://schemas.microsoft.com/office/drawing/2014/main" xmlns="" id="{B2F51F73-5064-47F8-83FD-440E0ED1950B}"/>
+                <a16:creationId xmlns="" xmlns:a16="http://schemas.microsoft.com/office/drawing/2014/main" id="{B2F51F73-5064-47F8-83FD-440E0ED1950B}"/>
               </a:ext>
             </a:extLst>
           </p:cNvPr>
@@ -3610,7 +3615,7 @@
           <p:cNvPr id="18" name="Picture Placeholder 8">
             <a:extLst>
               <a:ext uri="{FF2B5EF4-FFF2-40B4-BE49-F238E27FC236}">
-                <a16:creationId xmlns:a16="http://schemas.microsoft.com/office/drawing/2014/main" xmlns="" id="{06FF689A-8221-42E8-96D4-ED4D3AD501F8}"/>
+                <a16:creationId xmlns="" xmlns:a16="http://schemas.microsoft.com/office/drawing/2014/main" id="{06FF689A-8221-42E8-96D4-ED4D3AD501F8}"/>
               </a:ext>
             </a:extLst>
           </p:cNvPr>
@@ -3651,7 +3656,7 @@
           <p:cNvPr id="19" name="Picture Placeholder 8">
             <a:extLst>
               <a:ext uri="{FF2B5EF4-FFF2-40B4-BE49-F238E27FC236}">
-                <a16:creationId xmlns:a16="http://schemas.microsoft.com/office/drawing/2014/main" xmlns="" id="{96424DB2-4D46-493F-A5B8-8901EDA394F2}"/>
+                <a16:creationId xmlns="" xmlns:a16="http://schemas.microsoft.com/office/drawing/2014/main" id="{96424DB2-4D46-493F-A5B8-8901EDA394F2}"/>
               </a:ext>
             </a:extLst>
           </p:cNvPr>
@@ -3692,7 +3697,7 @@
           <p:cNvPr id="20" name="Picture Placeholder 8">
             <a:extLst>
               <a:ext uri="{FF2B5EF4-FFF2-40B4-BE49-F238E27FC236}">
-                <a16:creationId xmlns:a16="http://schemas.microsoft.com/office/drawing/2014/main" xmlns="" id="{0AF2B6E1-5738-41B1-8C15-EA6715490140}"/>
+                <a16:creationId xmlns="" xmlns:a16="http://schemas.microsoft.com/office/drawing/2014/main" id="{0AF2B6E1-5738-41B1-8C15-EA6715490140}"/>
               </a:ext>
             </a:extLst>
           </p:cNvPr>
@@ -3733,7 +3738,7 @@
           <p:cNvPr id="21" name="Picture Placeholder 8">
             <a:extLst>
               <a:ext uri="{FF2B5EF4-FFF2-40B4-BE49-F238E27FC236}">
-                <a16:creationId xmlns:a16="http://schemas.microsoft.com/office/drawing/2014/main" xmlns="" id="{6C8D73EB-347C-4E13-94C8-FA8FADE46559}"/>
+                <a16:creationId xmlns="" xmlns:a16="http://schemas.microsoft.com/office/drawing/2014/main" id="{6C8D73EB-347C-4E13-94C8-FA8FADE46559}"/>
               </a:ext>
             </a:extLst>
           </p:cNvPr>
@@ -3774,7 +3779,7 @@
           <p:cNvPr id="22" name="Picture Placeholder 8">
             <a:extLst>
               <a:ext uri="{FF2B5EF4-FFF2-40B4-BE49-F238E27FC236}">
-                <a16:creationId xmlns:a16="http://schemas.microsoft.com/office/drawing/2014/main" xmlns="" id="{9DFA5C56-9B47-4F87-8E12-30A936274F1B}"/>
+                <a16:creationId xmlns="" xmlns:a16="http://schemas.microsoft.com/office/drawing/2014/main" id="{9DFA5C56-9B47-4F87-8E12-30A936274F1B}"/>
               </a:ext>
             </a:extLst>
           </p:cNvPr>
@@ -3815,7 +3820,7 @@
           <p:cNvPr id="23" name="Picture Placeholder 8">
             <a:extLst>
               <a:ext uri="{FF2B5EF4-FFF2-40B4-BE49-F238E27FC236}">
-                <a16:creationId xmlns:a16="http://schemas.microsoft.com/office/drawing/2014/main" xmlns="" id="{1E3B5888-98ED-48E4-8AA8-5BAB43F8516C}"/>
+                <a16:creationId xmlns="" xmlns:a16="http://schemas.microsoft.com/office/drawing/2014/main" id="{1E3B5888-98ED-48E4-8AA8-5BAB43F8516C}"/>
               </a:ext>
             </a:extLst>
           </p:cNvPr>
@@ -3856,7 +3861,7 @@
           <p:cNvPr id="24" name="Picture Placeholder 8">
             <a:extLst>
               <a:ext uri="{FF2B5EF4-FFF2-40B4-BE49-F238E27FC236}">
-                <a16:creationId xmlns:a16="http://schemas.microsoft.com/office/drawing/2014/main" xmlns="" id="{569C9EE3-34D1-4DE0-B06C-2F6212F7C329}"/>
+                <a16:creationId xmlns="" xmlns:a16="http://schemas.microsoft.com/office/drawing/2014/main" id="{569C9EE3-34D1-4DE0-B06C-2F6212F7C329}"/>
               </a:ext>
             </a:extLst>
           </p:cNvPr>
@@ -3927,7 +3932,7 @@
           <p:cNvPr id="8" name="Rectangle 7">
             <a:extLst>
               <a:ext uri="{FF2B5EF4-FFF2-40B4-BE49-F238E27FC236}">
-                <a16:creationId xmlns:a16="http://schemas.microsoft.com/office/drawing/2014/main" xmlns="" id="{C186ECD6-DF3C-4CA6-9A77-ED32AC37F81F}"/>
+                <a16:creationId xmlns="" xmlns:a16="http://schemas.microsoft.com/office/drawing/2014/main" id="{C186ECD6-DF3C-4CA6-9A77-ED32AC37F81F}"/>
               </a:ext>
             </a:extLst>
           </p:cNvPr>
@@ -3979,7 +3984,7 @@
           <p:cNvPr id="9" name="Rectangle 8">
             <a:extLst>
               <a:ext uri="{FF2B5EF4-FFF2-40B4-BE49-F238E27FC236}">
-                <a16:creationId xmlns:a16="http://schemas.microsoft.com/office/drawing/2014/main" xmlns="" id="{8D3F081E-4462-4B33-A41E-0432A3B439D9}"/>
+                <a16:creationId xmlns="" xmlns:a16="http://schemas.microsoft.com/office/drawing/2014/main" id="{8D3F081E-4462-4B33-A41E-0432A3B439D9}"/>
               </a:ext>
             </a:extLst>
           </p:cNvPr>
@@ -4031,7 +4036,7 @@
           <p:cNvPr id="11" name="Rectangle 10">
             <a:extLst>
               <a:ext uri="{FF2B5EF4-FFF2-40B4-BE49-F238E27FC236}">
-                <a16:creationId xmlns:a16="http://schemas.microsoft.com/office/drawing/2014/main" xmlns="" id="{C05FA2D1-6BF4-4194-B815-8C66D013FD27}"/>
+                <a16:creationId xmlns="" xmlns:a16="http://schemas.microsoft.com/office/drawing/2014/main" id="{C05FA2D1-6BF4-4194-B815-8C66D013FD27}"/>
               </a:ext>
             </a:extLst>
           </p:cNvPr>
@@ -4083,7 +4088,7 @@
           <p:cNvPr id="12" name="Rectangle 11">
             <a:extLst>
               <a:ext uri="{FF2B5EF4-FFF2-40B4-BE49-F238E27FC236}">
-                <a16:creationId xmlns:a16="http://schemas.microsoft.com/office/drawing/2014/main" xmlns="" id="{DC88F0DF-BC0B-473C-82DC-7FC46D38FAC1}"/>
+                <a16:creationId xmlns="" xmlns:a16="http://schemas.microsoft.com/office/drawing/2014/main" id="{DC88F0DF-BC0B-473C-82DC-7FC46D38FAC1}"/>
               </a:ext>
             </a:extLst>
           </p:cNvPr>
@@ -4135,7 +4140,7 @@
           <p:cNvPr id="10" name="Text Placeholder 9">
             <a:extLst>
               <a:ext uri="{FF2B5EF4-FFF2-40B4-BE49-F238E27FC236}">
-                <a16:creationId xmlns:a16="http://schemas.microsoft.com/office/drawing/2014/main" xmlns="" id="{2A60302F-65DB-4E93-B6C3-49E64C44FB53}"/>
+                <a16:creationId xmlns="" xmlns:a16="http://schemas.microsoft.com/office/drawing/2014/main" id="{2A60302F-65DB-4E93-B6C3-49E64C44FB53}"/>
               </a:ext>
             </a:extLst>
           </p:cNvPr>
@@ -4203,7 +4208,7 @@
           <p:cNvPr id="7" name="Picture Placeholder 6">
             <a:extLst>
               <a:ext uri="{FF2B5EF4-FFF2-40B4-BE49-F238E27FC236}">
-                <a16:creationId xmlns:a16="http://schemas.microsoft.com/office/drawing/2014/main" xmlns="" id="{9A66F217-0E52-4AD8-82BA-AB332C59638C}"/>
+                <a16:creationId xmlns="" xmlns:a16="http://schemas.microsoft.com/office/drawing/2014/main" id="{9A66F217-0E52-4AD8-82BA-AB332C59638C}"/>
               </a:ext>
             </a:extLst>
           </p:cNvPr>
@@ -4249,7 +4254,7 @@
           <p:cNvPr id="13" name="Rectangle 12">
             <a:extLst>
               <a:ext uri="{FF2B5EF4-FFF2-40B4-BE49-F238E27FC236}">
-                <a16:creationId xmlns:a16="http://schemas.microsoft.com/office/drawing/2014/main" xmlns="" id="{FDF3E524-6AEB-4529-804C-0B9CD9992050}"/>
+                <a16:creationId xmlns="" xmlns:a16="http://schemas.microsoft.com/office/drawing/2014/main" id="{FDF3E524-6AEB-4529-804C-0B9CD9992050}"/>
               </a:ext>
             </a:extLst>
           </p:cNvPr>
@@ -4301,7 +4306,7 @@
           <p:cNvPr id="14" name="Straight Connector 13">
             <a:extLst>
               <a:ext uri="{FF2B5EF4-FFF2-40B4-BE49-F238E27FC236}">
-                <a16:creationId xmlns:a16="http://schemas.microsoft.com/office/drawing/2014/main" xmlns="" id="{4CFF2CAC-AD21-48FA-AD68-A643AAA6A8C4}"/>
+                <a16:creationId xmlns="" xmlns:a16="http://schemas.microsoft.com/office/drawing/2014/main" id="{4CFF2CAC-AD21-48FA-AD68-A643AAA6A8C4}"/>
               </a:ext>
             </a:extLst>
           </p:cNvPr>
@@ -4344,7 +4349,7 @@
           <p:cNvPr id="2" name="Title 1">
             <a:extLst>
               <a:ext uri="{FF2B5EF4-FFF2-40B4-BE49-F238E27FC236}">
-                <a16:creationId xmlns:a16="http://schemas.microsoft.com/office/drawing/2014/main" xmlns="" id="{43379CA9-81D6-424A-8046-4B56E1D25059}"/>
+                <a16:creationId xmlns="" xmlns:a16="http://schemas.microsoft.com/office/drawing/2014/main" id="{43379CA9-81D6-424A-8046-4B56E1D25059}"/>
               </a:ext>
             </a:extLst>
           </p:cNvPr>
@@ -4397,7 +4402,7 @@
   <p:extLst mod="1">
     <p:ext uri="{DCECCB84-F9BA-43D5-87BE-67443E8EF086}">
       <p15:sldGuideLst xmlns:p15="http://schemas.microsoft.com/office/powerpoint/2012/main">
-        <p15:guide id="4294967295" pos="3840">
+        <p15:guide id="1" pos="3840">
           <p15:clr>
             <a:srgbClr val="FBAE40"/>
           </p15:clr>
@@ -4465,7 +4470,7 @@
           <p:cNvPr id="2" name="Title Placeholder 1">
             <a:extLst>
               <a:ext uri="{FF2B5EF4-FFF2-40B4-BE49-F238E27FC236}">
-                <a16:creationId xmlns:a16="http://schemas.microsoft.com/office/drawing/2014/main" xmlns="" id="{2C80DF88-AC53-41A3-8067-D7E6D5DB195F}"/>
+                <a16:creationId xmlns="" xmlns:a16="http://schemas.microsoft.com/office/drawing/2014/main" id="{2C80DF88-AC53-41A3-8067-D7E6D5DB195F}"/>
               </a:ext>
             </a:extLst>
           </p:cNvPr>
@@ -4504,7 +4509,7 @@
           <p:cNvPr id="4" name="Date Placeholder 3">
             <a:extLst>
               <a:ext uri="{FF2B5EF4-FFF2-40B4-BE49-F238E27FC236}">
-                <a16:creationId xmlns:a16="http://schemas.microsoft.com/office/drawing/2014/main" xmlns="" id="{EA4755C1-18CC-4FD3-A030-3DAF469919A6}"/>
+                <a16:creationId xmlns="" xmlns:a16="http://schemas.microsoft.com/office/drawing/2014/main" id="{EA4755C1-18CC-4FD3-A030-3DAF469919A6}"/>
               </a:ext>
             </a:extLst>
           </p:cNvPr>
@@ -4551,7 +4556,7 @@
           <p:cNvPr id="5" name="Footer Placeholder 4">
             <a:extLst>
               <a:ext uri="{FF2B5EF4-FFF2-40B4-BE49-F238E27FC236}">
-                <a16:creationId xmlns:a16="http://schemas.microsoft.com/office/drawing/2014/main" xmlns="" id="{A8E029F1-B791-445F-A184-90CC7A1BEC19}"/>
+                <a16:creationId xmlns="" xmlns:a16="http://schemas.microsoft.com/office/drawing/2014/main" id="{A8E029F1-B791-445F-A184-90CC7A1BEC19}"/>
               </a:ext>
             </a:extLst>
           </p:cNvPr>
@@ -4594,7 +4599,7 @@
           <p:cNvPr id="6" name="Slide Number Placeholder 5">
             <a:extLst>
               <a:ext uri="{FF2B5EF4-FFF2-40B4-BE49-F238E27FC236}">
-                <a16:creationId xmlns:a16="http://schemas.microsoft.com/office/drawing/2014/main" xmlns="" id="{5AD98767-7C9E-42DE-9782-D932A0FF1BF4}"/>
+                <a16:creationId xmlns="" xmlns:a16="http://schemas.microsoft.com/office/drawing/2014/main" id="{5AD98767-7C9E-42DE-9782-D932A0FF1BF4}"/>
               </a:ext>
             </a:extLst>
           </p:cNvPr>
@@ -4936,32 +4941,32 @@
   <p:extLst mod="1">
     <p:ext uri="{27BBF7A9-308A-43DC-89C8-2F10F3537804}">
       <p15:sldGuideLst xmlns:p15="http://schemas.microsoft.com/office/powerpoint/2012/main">
-        <p15:guide id="4294967295" pos="5112">
+        <p15:guide id="1" pos="5112">
           <p15:clr>
             <a:srgbClr val="F26B43"/>
           </p15:clr>
         </p15:guide>
-        <p15:guide id="4294967295" pos="2568">
+        <p15:guide id="2" pos="2568">
           <p15:clr>
             <a:srgbClr val="F26B43"/>
           </p15:clr>
         </p15:guide>
-        <p15:guide id="4294967295" pos="288">
+        <p15:guide id="3" pos="288">
           <p15:clr>
             <a:srgbClr val="5ACBF0"/>
           </p15:clr>
         </p15:guide>
-        <p15:guide id="4294967295" pos="7392">
+        <p15:guide id="4" pos="7392">
           <p15:clr>
             <a:srgbClr val="5ACBF0"/>
           </p15:clr>
         </p15:guide>
-        <p15:guide id="4294967295" orient="horz" pos="576">
+        <p15:guide id="5" orient="horz" pos="576">
           <p15:clr>
             <a:srgbClr val="5ACBF0"/>
           </p15:clr>
         </p15:guide>
-        <p15:guide id="4294967295" orient="horz" pos="3744">
+        <p15:guide id="6" orient="horz" pos="3744">
           <p15:clr>
             <a:srgbClr val="5ACBF0"/>
           </p15:clr>
@@ -5029,7 +5034,7 @@
           <p:cNvPr id="2" name="Title Placeholder 1">
             <a:extLst>
               <a:ext uri="{FF2B5EF4-FFF2-40B4-BE49-F238E27FC236}">
-                <a16:creationId xmlns:a16="http://schemas.microsoft.com/office/drawing/2014/main" xmlns="" id="{2C80DF88-AC53-41A3-8067-D7E6D5DB195F}"/>
+                <a16:creationId xmlns="" xmlns:a16="http://schemas.microsoft.com/office/drawing/2014/main" id="{2C80DF88-AC53-41A3-8067-D7E6D5DB195F}"/>
               </a:ext>
             </a:extLst>
           </p:cNvPr>
@@ -5068,7 +5073,7 @@
           <p:cNvPr id="4" name="Date Placeholder 3">
             <a:extLst>
               <a:ext uri="{FF2B5EF4-FFF2-40B4-BE49-F238E27FC236}">
-                <a16:creationId xmlns:a16="http://schemas.microsoft.com/office/drawing/2014/main" xmlns="" id="{EA4755C1-18CC-4FD3-A030-3DAF469919A6}"/>
+                <a16:creationId xmlns="" xmlns:a16="http://schemas.microsoft.com/office/drawing/2014/main" id="{EA4755C1-18CC-4FD3-A030-3DAF469919A6}"/>
               </a:ext>
             </a:extLst>
           </p:cNvPr>
@@ -5115,7 +5120,7 @@
           <p:cNvPr id="5" name="Footer Placeholder 4">
             <a:extLst>
               <a:ext uri="{FF2B5EF4-FFF2-40B4-BE49-F238E27FC236}">
-                <a16:creationId xmlns:a16="http://schemas.microsoft.com/office/drawing/2014/main" xmlns="" id="{A8E029F1-B791-445F-A184-90CC7A1BEC19}"/>
+                <a16:creationId xmlns="" xmlns:a16="http://schemas.microsoft.com/office/drawing/2014/main" id="{A8E029F1-B791-445F-A184-90CC7A1BEC19}"/>
               </a:ext>
             </a:extLst>
           </p:cNvPr>
@@ -5158,7 +5163,7 @@
           <p:cNvPr id="6" name="Slide Number Placeholder 5">
             <a:extLst>
               <a:ext uri="{FF2B5EF4-FFF2-40B4-BE49-F238E27FC236}">
-                <a16:creationId xmlns:a16="http://schemas.microsoft.com/office/drawing/2014/main" xmlns="" id="{5AD98767-7C9E-42DE-9782-D932A0FF1BF4}"/>
+                <a16:creationId xmlns="" xmlns:a16="http://schemas.microsoft.com/office/drawing/2014/main" id="{5AD98767-7C9E-42DE-9782-D932A0FF1BF4}"/>
               </a:ext>
             </a:extLst>
           </p:cNvPr>
@@ -5495,32 +5500,32 @@
   <p:extLst mod="1">
     <p:ext uri="{27BBF7A9-308A-43DC-89C8-2F10F3537804}">
       <p15:sldGuideLst xmlns:p15="http://schemas.microsoft.com/office/powerpoint/2012/main">
-        <p15:guide id="4294967295" pos="5112">
+        <p15:guide id="1" pos="5112">
           <p15:clr>
             <a:srgbClr val="F26B43"/>
           </p15:clr>
         </p15:guide>
-        <p15:guide id="4294967295" pos="2568">
+        <p15:guide id="2" pos="2568">
           <p15:clr>
             <a:srgbClr val="F26B43"/>
           </p15:clr>
         </p15:guide>
-        <p15:guide id="4294967295" pos="288">
+        <p15:guide id="3" pos="288">
           <p15:clr>
             <a:srgbClr val="5ACBF0"/>
           </p15:clr>
         </p15:guide>
-        <p15:guide id="4294967295" pos="7392">
+        <p15:guide id="4" pos="7392">
           <p15:clr>
             <a:srgbClr val="5ACBF0"/>
           </p15:clr>
         </p15:guide>
-        <p15:guide id="4294967295" orient="horz" pos="576">
+        <p15:guide id="5" orient="horz" pos="576">
           <p15:clr>
             <a:srgbClr val="5ACBF0"/>
           </p15:clr>
         </p15:guide>
-        <p15:guide id="4294967295" orient="horz" pos="3744">
+        <p15:guide id="6" orient="horz" pos="3744">
           <p15:clr>
             <a:srgbClr val="5ACBF0"/>
           </p15:clr>
@@ -5588,7 +5593,7 @@
           <p:cNvPr id="2" name="Title Placeholder 1">
             <a:extLst>
               <a:ext uri="{FF2B5EF4-FFF2-40B4-BE49-F238E27FC236}">
-                <a16:creationId xmlns:a16="http://schemas.microsoft.com/office/drawing/2014/main" xmlns="" id="{2C80DF88-AC53-41A3-8067-D7E6D5DB195F}"/>
+                <a16:creationId xmlns="" xmlns:a16="http://schemas.microsoft.com/office/drawing/2014/main" id="{2C80DF88-AC53-41A3-8067-D7E6D5DB195F}"/>
               </a:ext>
             </a:extLst>
           </p:cNvPr>
@@ -5627,7 +5632,7 @@
           <p:cNvPr id="4" name="Date Placeholder 3">
             <a:extLst>
               <a:ext uri="{FF2B5EF4-FFF2-40B4-BE49-F238E27FC236}">
-                <a16:creationId xmlns:a16="http://schemas.microsoft.com/office/drawing/2014/main" xmlns="" id="{EA4755C1-18CC-4FD3-A030-3DAF469919A6}"/>
+                <a16:creationId xmlns="" xmlns:a16="http://schemas.microsoft.com/office/drawing/2014/main" id="{EA4755C1-18CC-4FD3-A030-3DAF469919A6}"/>
               </a:ext>
             </a:extLst>
           </p:cNvPr>
@@ -5674,7 +5679,7 @@
           <p:cNvPr id="5" name="Footer Placeholder 4">
             <a:extLst>
               <a:ext uri="{FF2B5EF4-FFF2-40B4-BE49-F238E27FC236}">
-                <a16:creationId xmlns:a16="http://schemas.microsoft.com/office/drawing/2014/main" xmlns="" id="{A8E029F1-B791-445F-A184-90CC7A1BEC19}"/>
+                <a16:creationId xmlns="" xmlns:a16="http://schemas.microsoft.com/office/drawing/2014/main" id="{A8E029F1-B791-445F-A184-90CC7A1BEC19}"/>
               </a:ext>
             </a:extLst>
           </p:cNvPr>
@@ -5717,7 +5722,7 @@
           <p:cNvPr id="6" name="Slide Number Placeholder 5">
             <a:extLst>
               <a:ext uri="{FF2B5EF4-FFF2-40B4-BE49-F238E27FC236}">
-                <a16:creationId xmlns:a16="http://schemas.microsoft.com/office/drawing/2014/main" xmlns="" id="{5AD98767-7C9E-42DE-9782-D932A0FF1BF4}"/>
+                <a16:creationId xmlns="" xmlns:a16="http://schemas.microsoft.com/office/drawing/2014/main" id="{5AD98767-7C9E-42DE-9782-D932A0FF1BF4}"/>
               </a:ext>
             </a:extLst>
           </p:cNvPr>
@@ -6054,32 +6059,32 @@
   <p:extLst mod="1">
     <p:ext uri="{27BBF7A9-308A-43DC-89C8-2F10F3537804}">
       <p15:sldGuideLst xmlns:p15="http://schemas.microsoft.com/office/powerpoint/2012/main">
-        <p15:guide id="4294967295" pos="5112">
+        <p15:guide id="1" pos="5112">
           <p15:clr>
             <a:srgbClr val="F26B43"/>
           </p15:clr>
         </p15:guide>
-        <p15:guide id="4294967295" pos="2568">
+        <p15:guide id="2" pos="2568">
           <p15:clr>
             <a:srgbClr val="F26B43"/>
           </p15:clr>
         </p15:guide>
-        <p15:guide id="4294967295" pos="288">
+        <p15:guide id="3" pos="288">
           <p15:clr>
             <a:srgbClr val="5ACBF0"/>
           </p15:clr>
         </p15:guide>
-        <p15:guide id="4294967295" pos="7392">
+        <p15:guide id="4" pos="7392">
           <p15:clr>
             <a:srgbClr val="5ACBF0"/>
           </p15:clr>
         </p15:guide>
-        <p15:guide id="4294967295" orient="horz" pos="576">
+        <p15:guide id="5" orient="horz" pos="576">
           <p15:clr>
             <a:srgbClr val="5ACBF0"/>
           </p15:clr>
         </p15:guide>
-        <p15:guide id="4294967295" orient="horz" pos="3744">
+        <p15:guide id="6" orient="horz" pos="3744">
           <p15:clr>
             <a:srgbClr val="5ACBF0"/>
           </p15:clr>
@@ -6147,7 +6152,7 @@
           <p:cNvPr id="2" name="Title Placeholder 1">
             <a:extLst>
               <a:ext uri="{FF2B5EF4-FFF2-40B4-BE49-F238E27FC236}">
-                <a16:creationId xmlns:a16="http://schemas.microsoft.com/office/drawing/2014/main" xmlns="" id="{2C80DF88-AC53-41A3-8067-D7E6D5DB195F}"/>
+                <a16:creationId xmlns="" xmlns:a16="http://schemas.microsoft.com/office/drawing/2014/main" id="{2C80DF88-AC53-41A3-8067-D7E6D5DB195F}"/>
               </a:ext>
             </a:extLst>
           </p:cNvPr>
@@ -6186,7 +6191,7 @@
           <p:cNvPr id="4" name="Date Placeholder 3">
             <a:extLst>
               <a:ext uri="{FF2B5EF4-FFF2-40B4-BE49-F238E27FC236}">
-                <a16:creationId xmlns:a16="http://schemas.microsoft.com/office/drawing/2014/main" xmlns="" id="{EA4755C1-18CC-4FD3-A030-3DAF469919A6}"/>
+                <a16:creationId xmlns="" xmlns:a16="http://schemas.microsoft.com/office/drawing/2014/main" id="{EA4755C1-18CC-4FD3-A030-3DAF469919A6}"/>
               </a:ext>
             </a:extLst>
           </p:cNvPr>
@@ -6233,7 +6238,7 @@
           <p:cNvPr id="5" name="Footer Placeholder 4">
             <a:extLst>
               <a:ext uri="{FF2B5EF4-FFF2-40B4-BE49-F238E27FC236}">
-                <a16:creationId xmlns:a16="http://schemas.microsoft.com/office/drawing/2014/main" xmlns="" id="{A8E029F1-B791-445F-A184-90CC7A1BEC19}"/>
+                <a16:creationId xmlns="" xmlns:a16="http://schemas.microsoft.com/office/drawing/2014/main" id="{A8E029F1-B791-445F-A184-90CC7A1BEC19}"/>
               </a:ext>
             </a:extLst>
           </p:cNvPr>
@@ -6276,7 +6281,7 @@
           <p:cNvPr id="6" name="Slide Number Placeholder 5">
             <a:extLst>
               <a:ext uri="{FF2B5EF4-FFF2-40B4-BE49-F238E27FC236}">
-                <a16:creationId xmlns:a16="http://schemas.microsoft.com/office/drawing/2014/main" xmlns="" id="{5AD98767-7C9E-42DE-9782-D932A0FF1BF4}"/>
+                <a16:creationId xmlns="" xmlns:a16="http://schemas.microsoft.com/office/drawing/2014/main" id="{5AD98767-7C9E-42DE-9782-D932A0FF1BF4}"/>
               </a:ext>
             </a:extLst>
           </p:cNvPr>
@@ -6613,32 +6618,32 @@
   <p:extLst mod="1">
     <p:ext uri="{27BBF7A9-308A-43DC-89C8-2F10F3537804}">
       <p15:sldGuideLst xmlns:p15="http://schemas.microsoft.com/office/powerpoint/2012/main">
-        <p15:guide id="4294967295" pos="5112">
+        <p15:guide id="1" pos="5112">
           <p15:clr>
             <a:srgbClr val="F26B43"/>
           </p15:clr>
         </p15:guide>
-        <p15:guide id="4294967295" pos="2568">
+        <p15:guide id="2" pos="2568">
           <p15:clr>
             <a:srgbClr val="F26B43"/>
           </p15:clr>
         </p15:guide>
-        <p15:guide id="4294967295" pos="288">
+        <p15:guide id="3" pos="288">
           <p15:clr>
             <a:srgbClr val="5ACBF0"/>
           </p15:clr>
         </p15:guide>
-        <p15:guide id="4294967295" pos="7392">
+        <p15:guide id="4" pos="7392">
           <p15:clr>
             <a:srgbClr val="5ACBF0"/>
           </p15:clr>
         </p15:guide>
-        <p15:guide id="4294967295" orient="horz" pos="576">
+        <p15:guide id="5" orient="horz" pos="576">
           <p15:clr>
             <a:srgbClr val="5ACBF0"/>
           </p15:clr>
         </p15:guide>
-        <p15:guide id="4294967295" orient="horz" pos="3744">
+        <p15:guide id="6" orient="horz" pos="3744">
           <p15:clr>
             <a:srgbClr val="5ACBF0"/>
           </p15:clr>
@@ -6792,7 +6797,122 @@
           <a:bodyPr/>
           <a:lstStyle/>
           <a:p>
-            <a:endParaRPr lang="en-US"/>
+            <a:r>
+              <a:rPr lang="en-US" dirty="0" smtClean="0"/>
+              <a:t>In order to find trends</a:t>
+            </a:r>
+            <a:r>
+              <a:rPr lang="en-US" dirty="0" smtClean="0"/>
+              <a:t>, cycles and seasonality experiment with different time resampling (instead of having a data point each minute try hourly, daily, weekly,…)</a:t>
+            </a:r>
+          </a:p>
+          <a:p>
+            <a:r>
+              <a:rPr lang="pt-PT" dirty="0" err="1" smtClean="0"/>
+              <a:t>Alternatively</a:t>
+            </a:r>
+            <a:r>
+              <a:rPr lang="pt-PT" dirty="0" smtClean="0"/>
+              <a:t>, </a:t>
+            </a:r>
+            <a:r>
+              <a:rPr lang="pt-PT" dirty="0" err="1" smtClean="0"/>
+              <a:t>if</a:t>
+            </a:r>
+            <a:r>
+              <a:rPr lang="pt-PT" dirty="0" smtClean="0"/>
+              <a:t> </a:t>
+            </a:r>
+            <a:r>
+              <a:rPr lang="pt-PT" dirty="0" err="1" smtClean="0"/>
+              <a:t>clients</a:t>
+            </a:r>
+            <a:r>
+              <a:rPr lang="pt-PT" dirty="0" smtClean="0"/>
+              <a:t> </a:t>
+            </a:r>
+            <a:r>
+              <a:rPr lang="pt-PT" dirty="0" err="1" smtClean="0"/>
+              <a:t>could</a:t>
+            </a:r>
+            <a:r>
+              <a:rPr lang="pt-PT" dirty="0" smtClean="0"/>
+              <a:t> look </a:t>
+            </a:r>
+            <a:r>
+              <a:rPr lang="pt-PT" dirty="0" err="1" smtClean="0"/>
+              <a:t>at</a:t>
+            </a:r>
+            <a:r>
+              <a:rPr lang="pt-PT" dirty="0" smtClean="0"/>
+              <a:t> </a:t>
+            </a:r>
+            <a:r>
+              <a:rPr lang="pt-PT" dirty="0" err="1" smtClean="0"/>
+              <a:t>the</a:t>
+            </a:r>
+            <a:r>
+              <a:rPr lang="pt-PT" dirty="0" smtClean="0"/>
+              <a:t> </a:t>
+            </a:r>
+            <a:r>
+              <a:rPr lang="pt-PT" dirty="0" err="1" smtClean="0"/>
+              <a:t>consumption</a:t>
+            </a:r>
+            <a:r>
+              <a:rPr lang="pt-PT" dirty="0" smtClean="0"/>
+              <a:t> </a:t>
+            </a:r>
+            <a:r>
+              <a:rPr lang="pt-PT" dirty="0" err="1" smtClean="0"/>
+              <a:t>of</a:t>
+            </a:r>
+            <a:r>
+              <a:rPr lang="pt-PT" dirty="0" smtClean="0"/>
+              <a:t> </a:t>
+            </a:r>
+            <a:r>
+              <a:rPr lang="pt-PT" dirty="0" err="1" smtClean="0"/>
+              <a:t>each</a:t>
+            </a:r>
+            <a:r>
+              <a:rPr lang="pt-PT" dirty="0" smtClean="0"/>
+              <a:t> individual </a:t>
+            </a:r>
+            <a:r>
+              <a:rPr lang="pt-PT" dirty="0" err="1" smtClean="0"/>
+              <a:t>appliance</a:t>
+            </a:r>
+            <a:r>
+              <a:rPr lang="pt-PT" dirty="0" smtClean="0"/>
+              <a:t> </a:t>
+            </a:r>
+            <a:endParaRPr lang="en-US" dirty="0" smtClean="0"/>
+          </a:p>
+          <a:p>
+            <a:r>
+              <a:rPr lang="en-US" dirty="0" smtClean="0"/>
+              <a:t>Instead of separating appliances per room, one could separate appliances per </a:t>
+            </a:r>
+            <a:r>
+              <a:rPr lang="en-US" dirty="0"/>
+              <a:t>usage </a:t>
+            </a:r>
+            <a:r>
+              <a:rPr lang="en-US" dirty="0" smtClean="0"/>
+              <a:t>intensity. This </a:t>
+            </a:r>
+            <a:r>
+              <a:rPr lang="en-US" dirty="0"/>
+              <a:t>way, such an analysis would reveal further information about each type of appliance instead of room usage</a:t>
+            </a:r>
+            <a:r>
+              <a:rPr lang="en-US" dirty="0" smtClean="0"/>
+              <a:t>.</a:t>
+            </a:r>
+          </a:p>
+          <a:p>
+            <a:endParaRPr lang="en-US" dirty="0"/>
           </a:p>
         </p:txBody>
       </p:sp>
@@ -6864,7 +6984,30 @@
           <a:bodyPr/>
           <a:lstStyle/>
           <a:p>
-            <a:endParaRPr lang="en-US"/>
+            <a:r>
+              <a:rPr lang="en-US" dirty="0" smtClean="0"/>
+              <a:t>A basic data analysis has been done on the original dataset;</a:t>
+            </a:r>
+          </a:p>
+          <a:p>
+            <a:r>
+              <a:rPr lang="en-US" dirty="0" smtClean="0"/>
+              <a:t>The data is structured as </a:t>
+            </a:r>
+            <a:r>
+              <a:rPr lang="en-US" dirty="0" smtClean="0"/>
+              <a:t>a time series and ready is to be studied;</a:t>
+            </a:r>
+          </a:p>
+          <a:p>
+            <a:endParaRPr lang="en-US" dirty="0" smtClean="0"/>
+          </a:p>
+          <a:p>
+            <a:r>
+              <a:rPr lang="en-US" dirty="0" smtClean="0"/>
+              <a:t>On our next task we will apply Machine Learning methodologies to accurately forecast future energy usage and to provide informative and useful insights regarding client’s power usage.</a:t>
+            </a:r>
+            <a:endParaRPr lang="en-US" dirty="0"/>
           </a:p>
         </p:txBody>
       </p:sp>
@@ -6938,12 +7081,14 @@
           </a:bodyPr>
           <a:lstStyle/>
           <a:p>
+            <a:pPr algn="just"/>
             <a:r>
               <a:rPr lang="pt-PT" dirty="0" smtClean="0"/>
               <a:t>Background</a:t>
             </a:r>
           </a:p>
           <a:p>
+            <a:pPr algn="just"/>
             <a:r>
               <a:rPr lang="en-US" dirty="0" smtClean="0"/>
               <a:t>Objectives</a:t>
@@ -6954,36 +7099,42 @@
             </a:r>
           </a:p>
           <a:p>
+            <a:pPr algn="just"/>
             <a:r>
               <a:rPr lang="en-US" dirty="0" smtClean="0"/>
               <a:t>Data Management;</a:t>
             </a:r>
           </a:p>
           <a:p>
+            <a:pPr algn="just"/>
             <a:r>
               <a:rPr lang="en-US" dirty="0" smtClean="0"/>
               <a:t>Dataset description;</a:t>
             </a:r>
           </a:p>
           <a:p>
+            <a:pPr algn="just"/>
             <a:r>
               <a:rPr lang="en-US" dirty="0" smtClean="0"/>
               <a:t>Dataset issues;</a:t>
             </a:r>
           </a:p>
           <a:p>
+            <a:pPr algn="just"/>
             <a:r>
               <a:rPr lang="en-US" dirty="0" smtClean="0"/>
               <a:t>Descriptive statistics;</a:t>
             </a:r>
           </a:p>
           <a:p>
+            <a:pPr algn="just"/>
             <a:r>
               <a:rPr lang="en-US" dirty="0" smtClean="0"/>
               <a:t>High-Level Recommendations;</a:t>
             </a:r>
           </a:p>
           <a:p>
+            <a:pPr algn="just"/>
             <a:r>
               <a:rPr lang="en-US" dirty="0" smtClean="0"/>
               <a:t>Conclusions.</a:t>
@@ -7060,6 +7211,7 @@
           <a:bodyPr/>
           <a:lstStyle/>
           <a:p>
+            <a:pPr algn="just"/>
             <a:r>
               <a:rPr lang="en-US" dirty="0"/>
               <a:t>A large regional residential developer is designing a large 'Smart Home' apartment housing </a:t>
@@ -7070,6 +7222,7 @@
             </a:r>
           </a:p>
           <a:p>
+            <a:pPr algn="just"/>
             <a:r>
               <a:rPr lang="en-US" dirty="0" smtClean="0"/>
               <a:t>It is </a:t>
@@ -7093,6 +7246,7 @@
             <a:endParaRPr lang="en-US" dirty="0" smtClean="0"/>
           </a:p>
           <a:p>
+            <a:pPr algn="just"/>
             <a:r>
               <a:rPr lang="en-US" dirty="0"/>
               <a:t>Installing these </a:t>
@@ -7119,6 +7273,7 @@
             </a:r>
           </a:p>
           <a:p>
+            <a:pPr algn="just"/>
             <a:r>
               <a:rPr lang="en-US" dirty="0" smtClean="0"/>
               <a:t>The above is </a:t>
@@ -7219,9 +7374,11 @@
             <a:endParaRPr lang="pt-PT" dirty="0" smtClean="0"/>
           </a:p>
           <a:p>
+            <a:pPr algn="just"/>
             <a:endParaRPr lang="pt-PT" dirty="0"/>
           </a:p>
           <a:p>
+            <a:pPr algn="just"/>
             <a:r>
               <a:rPr lang="pt-PT" dirty="0" smtClean="0"/>
               <a:t>To </a:t>
@@ -7444,7 +7601,6 @@
               <a:rPr lang="en-US" sz="2800" dirty="0"/>
               <a:t>usage analytics;</a:t>
             </a:r>
-            <a:endParaRPr lang="en-US" sz="2800" dirty="0"/>
           </a:p>
         </p:txBody>
       </p:sp>
@@ -7556,6 +7712,7 @@
           <a:bodyPr/>
           <a:lstStyle/>
           <a:p>
+            <a:pPr algn="just"/>
             <a:r>
               <a:rPr lang="pt-PT" dirty="0" err="1" smtClean="0"/>
               <a:t>Dataset</a:t>
@@ -7630,9 +7787,11 @@
             </a:r>
           </a:p>
           <a:p>
+            <a:pPr algn="just"/>
             <a:endParaRPr lang="pt-PT" dirty="0" smtClean="0"/>
           </a:p>
           <a:p>
+            <a:pPr algn="just"/>
             <a:r>
               <a:rPr lang="pt-PT" dirty="0" err="1" smtClean="0"/>
               <a:t>Retrieved</a:t>
@@ -7775,11 +7934,7 @@
           <a:p>
             <a:r>
               <a:rPr lang="pt-PT" dirty="0" err="1" smtClean="0"/>
-              <a:t>D</a:t>
-            </a:r>
-            <a:r>
-              <a:rPr lang="pt-PT" dirty="0" err="1" smtClean="0"/>
-              <a:t>ataset</a:t>
+              <a:t>Dataset</a:t>
             </a:r>
             <a:r>
               <a:rPr lang="pt-PT" dirty="0" smtClean="0"/>
@@ -7787,11 +7942,7 @@
             </a:r>
             <a:r>
               <a:rPr lang="pt-PT" dirty="0" err="1" smtClean="0"/>
-              <a:t>d</a:t>
-            </a:r>
-            <a:r>
-              <a:rPr lang="pt-PT" dirty="0" err="1" smtClean="0"/>
-              <a:t>escription</a:t>
+              <a:t>description</a:t>
             </a:r>
             <a:r>
               <a:rPr lang="pt-PT" dirty="0" smtClean="0"/>
@@ -7824,6 +7975,7 @@
           <a:bodyPr/>
           <a:lstStyle/>
           <a:p>
+            <a:pPr algn="just"/>
             <a:r>
               <a:rPr lang="en-US" dirty="0"/>
               <a:t>This </a:t>
@@ -7882,6 +8034,7 @@
             </a:r>
           </a:p>
           <a:p>
+            <a:pPr algn="just"/>
             <a:r>
               <a:rPr lang="pt-PT" dirty="0" err="1" smtClean="0"/>
               <a:t>Each</a:t>
@@ -8205,6 +8358,7 @@
           <a:bodyPr/>
           <a:lstStyle/>
           <a:p>
+            <a:pPr algn="just"/>
             <a:r>
               <a:rPr lang="pt-PT" dirty="0" err="1"/>
               <a:t>The</a:t>
@@ -8244,6 +8398,7 @@
             <a:endParaRPr lang="en-US" dirty="0" smtClean="0"/>
           </a:p>
           <a:p>
+            <a:pPr algn="just"/>
             <a:r>
               <a:rPr lang="en-US" b="1" dirty="0" smtClean="0"/>
               <a:t>sub_metering_1</a:t>
@@ -8266,6 +8421,7 @@
             </a:r>
           </a:p>
           <a:p>
+            <a:pPr algn="just"/>
             <a:r>
               <a:rPr lang="en-US" b="1" dirty="0" smtClean="0"/>
               <a:t>sub_metering_2</a:t>
@@ -8292,6 +8448,7 @@
             </a:r>
           </a:p>
           <a:p>
+            <a:pPr algn="just"/>
             <a:r>
               <a:rPr lang="en-US" b="1" dirty="0" smtClean="0"/>
               <a:t>sub_metering_3</a:t>
@@ -8400,69 +8557,40 @@
           <a:bodyPr/>
           <a:lstStyle/>
           <a:p>
-            <a:r>
-              <a:rPr lang="pt-PT" dirty="0" smtClean="0"/>
-              <a:t>As </a:t>
-            </a:r>
-            <a:r>
-              <a:rPr lang="pt-PT" dirty="0" err="1" smtClean="0"/>
-              <a:t>mentioned</a:t>
-            </a:r>
-            <a:r>
-              <a:rPr lang="pt-PT" dirty="0" smtClean="0"/>
-              <a:t> </a:t>
-            </a:r>
-            <a:r>
-              <a:rPr lang="pt-PT" dirty="0" err="1" smtClean="0"/>
-              <a:t>before</a:t>
-            </a:r>
-            <a:r>
-              <a:rPr lang="pt-PT" dirty="0" smtClean="0"/>
-              <a:t>, date </a:t>
-            </a:r>
-            <a:r>
-              <a:rPr lang="pt-PT" dirty="0" err="1" smtClean="0"/>
-              <a:t>and</a:t>
-            </a:r>
-            <a:r>
-              <a:rPr lang="pt-PT" dirty="0" smtClean="0"/>
-              <a:t> time </a:t>
-            </a:r>
-            <a:r>
-              <a:rPr lang="pt-PT" dirty="0" err="1" smtClean="0"/>
-              <a:t>were</a:t>
-            </a:r>
-            <a:r>
-              <a:rPr lang="pt-PT" dirty="0" smtClean="0"/>
-              <a:t> </a:t>
-            </a:r>
-            <a:r>
-              <a:rPr lang="pt-PT" dirty="0" err="1" smtClean="0"/>
-              <a:t>joined</a:t>
-            </a:r>
-            <a:r>
-              <a:rPr lang="pt-PT" dirty="0" smtClean="0"/>
-              <a:t> </a:t>
-            </a:r>
-            <a:r>
-              <a:rPr lang="pt-PT" dirty="0" err="1" smtClean="0"/>
-              <a:t>into</a:t>
-            </a:r>
-            <a:r>
-              <a:rPr lang="pt-PT" dirty="0" smtClean="0"/>
-              <a:t> </a:t>
-            </a:r>
-            <a:r>
-              <a:rPr lang="pt-PT" b="1" dirty="0" err="1" smtClean="0"/>
+            <a:pPr algn="just"/>
+            <a:r>
+              <a:rPr lang="en-US" dirty="0" smtClean="0"/>
+              <a:t>As mentioned previously</a:t>
+            </a:r>
+            <a:r>
+              <a:rPr lang="en-US" dirty="0" smtClean="0"/>
+              <a:t>:</a:t>
+            </a:r>
+          </a:p>
+          <a:p>
+            <a:pPr lvl="1" algn="just"/>
+            <a:r>
+              <a:rPr lang="en-US" dirty="0" smtClean="0"/>
+              <a:t>Each individual year (or part of it) were joined together into a single dataset;</a:t>
+            </a:r>
+          </a:p>
+          <a:p>
+            <a:pPr lvl="1" algn="just"/>
+            <a:r>
+              <a:rPr lang="en-US" dirty="0" smtClean="0"/>
+              <a:t>The d</a:t>
+            </a:r>
+            <a:r>
+              <a:rPr lang="en-US" dirty="0" smtClean="0"/>
+              <a:t>ate and time columns were joined into a single </a:t>
+            </a:r>
+            <a:r>
+              <a:rPr lang="en-US" b="1" dirty="0" err="1" smtClean="0"/>
               <a:t>datetime</a:t>
             </a:r>
             <a:r>
-              <a:rPr lang="pt-PT" dirty="0" smtClean="0"/>
-              <a:t> </a:t>
-            </a:r>
-            <a:r>
-              <a:rPr lang="pt-PT" dirty="0" err="1" smtClean="0"/>
-              <a:t>column</a:t>
+              <a:rPr lang="en-US" dirty="0" smtClean="0"/>
+              <a:t> column</a:t>
             </a:r>
             <a:r>
               <a:rPr lang="pt-PT" dirty="0" smtClean="0"/>
@@ -8471,30 +8599,23 @@
             <a:endParaRPr lang="en-US" dirty="0" smtClean="0"/>
           </a:p>
           <a:p>
+            <a:pPr algn="just"/>
             <a:r>
               <a:rPr lang="en-US" dirty="0" smtClean="0"/>
-              <a:t>According to documentation, the dataset contains missing </a:t>
-            </a:r>
-            <a:r>
-              <a:rPr lang="en-US" dirty="0"/>
-              <a:t>values in the measurements (nearly 1,25% of the rows). </a:t>
+              <a:t>According to documentation, the dataset contains missing values in the measurements (nearly 1,25% of the rows). Anyhow, i</a:t>
             </a:r>
             <a:r>
               <a:rPr lang="en-US" dirty="0" smtClean="0"/>
-              <a:t>For </a:t>
-            </a:r>
-            <a:r>
-              <a:rPr lang="en-US" dirty="0"/>
-              <a:t>instance, the dataset </a:t>
-            </a:r>
+              <a:t>t seems we haven't got any missing values according to R.</a:t>
+            </a:r>
+          </a:p>
+          <a:p>
+            <a:pPr lvl="1" algn="just"/>
             <a:r>
               <a:rPr lang="en-US" dirty="0" smtClean="0"/>
-              <a:t>should contain </a:t>
-            </a:r>
-            <a:r>
-              <a:rPr lang="en-US" dirty="0"/>
-              <a:t>missing values on April 28, 2007.</a:t>
-            </a:r>
+              <a:t>The downloaded dataset contained 2.049.280 rows which corresponds to exactly 98.75% of the rows of the original dataset, meaning nulls had been excluded already.</a:t>
+            </a:r>
+            <a:endParaRPr lang="en-US" dirty="0"/>
           </a:p>
         </p:txBody>
       </p:sp>
@@ -8559,22 +8680,851 @@
           </a:p>
         </p:txBody>
       </p:sp>
-      <p:sp>
-        <p:nvSpPr>
-          <p:cNvPr id="3" name="Content Placeholder 2"/>
-          <p:cNvSpPr>
-            <a:spLocks noGrp="1"/>
-          </p:cNvSpPr>
+      <p:graphicFrame>
+        <p:nvGraphicFramePr>
+          <p:cNvPr id="4" name="Content Placeholder 3"/>
+          <p:cNvGraphicFramePr>
+            <a:graphicFrameLocks noGrp="1"/>
+          </p:cNvGraphicFramePr>
           <p:nvPr>
             <p:ph idx="1"/>
-          </p:nvPr>
-        </p:nvSpPr>
-        <p:spPr/>
-        <p:txBody>
-          <a:bodyPr/>
+            <p:extLst>
+              <p:ext uri="{D42A27DB-BD31-4B8C-83A1-F6EECF244321}">
+                <p14:modId xmlns:p14="http://schemas.microsoft.com/office/powerpoint/2010/main" val="4148529386"/>
+              </p:ext>
+            </p:extLst>
+          </p:nvPr>
+        </p:nvGraphicFramePr>
+        <p:xfrm>
+          <a:off x="838200" y="1825625"/>
+          <a:ext cx="10515600" cy="3337560"/>
+        </p:xfrm>
+        <a:graphic>
+          <a:graphicData uri="http://schemas.openxmlformats.org/drawingml/2006/table">
+            <a:tbl>
+              <a:tblPr firstRow="1" bandRow="1">
+                <a:tableStyleId>{5C22544A-7EE6-4342-B048-85BDC9FD1C3A}</a:tableStyleId>
+              </a:tblPr>
+              <a:tblGrid>
+                <a:gridCol w="2628900"/>
+                <a:gridCol w="2628900"/>
+                <a:gridCol w="2628900"/>
+                <a:gridCol w="2628900"/>
+              </a:tblGrid>
+              <a:tr h="370840">
+                <a:tc>
+                  <a:txBody>
+                    <a:bodyPr/>
+                    <a:lstStyle/>
+                    <a:p>
+                      <a:endParaRPr lang="en-US" dirty="0"/>
+                    </a:p>
+                  </a:txBody>
+                  <a:tcPr/>
+                </a:tc>
+                <a:tc>
+                  <a:txBody>
+                    <a:bodyPr/>
+                    <a:lstStyle/>
+                    <a:p>
+                      <a:r>
+                        <a:rPr lang="en-US" dirty="0" smtClean="0">
+                          <a:solidFill>
+                            <a:schemeClr val="tx1">
+                              <a:lumMod val="95000"/>
+                              <a:lumOff val="5000"/>
+                            </a:schemeClr>
+                          </a:solidFill>
+                        </a:rPr>
+                        <a:t>Sub_metering_1 [W/h]</a:t>
+                      </a:r>
+                      <a:endParaRPr lang="en-US" dirty="0">
+                        <a:solidFill>
+                          <a:schemeClr val="tx1">
+                            <a:lumMod val="95000"/>
+                            <a:lumOff val="5000"/>
+                          </a:schemeClr>
+                        </a:solidFill>
+                      </a:endParaRPr>
+                    </a:p>
+                  </a:txBody>
+                  <a:tcPr/>
+                </a:tc>
+                <a:tc>
+                  <a:txBody>
+                    <a:bodyPr/>
+                    <a:lstStyle/>
+                    <a:p>
+                      <a:r>
+                        <a:rPr lang="en-US" dirty="0" smtClean="0">
+                          <a:solidFill>
+                            <a:schemeClr val="tx1">
+                              <a:lumMod val="95000"/>
+                              <a:lumOff val="5000"/>
+                            </a:schemeClr>
+                          </a:solidFill>
+                        </a:rPr>
+                        <a:t>Sub_metering_2 </a:t>
+                      </a:r>
+                      <a:r>
+                        <a:rPr lang="en-US" dirty="0" smtClean="0">
+                          <a:solidFill>
+                            <a:schemeClr val="tx1">
+                              <a:lumMod val="95000"/>
+                              <a:lumOff val="5000"/>
+                            </a:schemeClr>
+                          </a:solidFill>
+                        </a:rPr>
+                        <a:t>[W/h]</a:t>
+                      </a:r>
+                      <a:endParaRPr lang="en-US" dirty="0">
+                        <a:solidFill>
+                          <a:schemeClr val="tx1">
+                            <a:lumMod val="95000"/>
+                            <a:lumOff val="5000"/>
+                          </a:schemeClr>
+                        </a:solidFill>
+                      </a:endParaRPr>
+                    </a:p>
+                  </a:txBody>
+                  <a:tcPr/>
+                </a:tc>
+                <a:tc>
+                  <a:txBody>
+                    <a:bodyPr/>
+                    <a:lstStyle/>
+                    <a:p>
+                      <a:r>
+                        <a:rPr lang="en-US" dirty="0" smtClean="0">
+                          <a:solidFill>
+                            <a:schemeClr val="tx1">
+                              <a:lumMod val="95000"/>
+                              <a:lumOff val="5000"/>
+                            </a:schemeClr>
+                          </a:solidFill>
+                        </a:rPr>
+                        <a:t>Sub_metering_3 </a:t>
+                      </a:r>
+                      <a:r>
+                        <a:rPr lang="en-US" dirty="0" smtClean="0">
+                          <a:solidFill>
+                            <a:schemeClr val="tx1">
+                              <a:lumMod val="95000"/>
+                              <a:lumOff val="5000"/>
+                            </a:schemeClr>
+                          </a:solidFill>
+                        </a:rPr>
+                        <a:t>[W/h]</a:t>
+                      </a:r>
+                      <a:endParaRPr lang="en-US" dirty="0">
+                        <a:solidFill>
+                          <a:schemeClr val="tx1">
+                            <a:lumMod val="95000"/>
+                            <a:lumOff val="5000"/>
+                          </a:schemeClr>
+                        </a:solidFill>
+                      </a:endParaRPr>
+                    </a:p>
+                  </a:txBody>
+                  <a:tcPr/>
+                </a:tc>
+              </a:tr>
+              <a:tr h="370840">
+                <a:tc>
+                  <a:txBody>
+                    <a:bodyPr/>
+                    <a:lstStyle/>
+                    <a:p>
+                      <a:r>
+                        <a:rPr lang="pt-PT" b="1" dirty="0" smtClean="0">
+                          <a:solidFill>
+                            <a:schemeClr val="tx1">
+                              <a:lumMod val="65000"/>
+                              <a:lumOff val="35000"/>
+                            </a:schemeClr>
+                          </a:solidFill>
+                        </a:rPr>
+                        <a:t>Standard </a:t>
+                      </a:r>
+                      <a:r>
+                        <a:rPr lang="pt-PT" b="1" dirty="0" err="1" smtClean="0">
+                          <a:solidFill>
+                            <a:schemeClr val="tx1">
+                              <a:lumMod val="65000"/>
+                              <a:lumOff val="35000"/>
+                            </a:schemeClr>
+                          </a:solidFill>
+                        </a:rPr>
+                        <a:t>deviation</a:t>
+                      </a:r>
+                      <a:endParaRPr lang="en-US" b="1" dirty="0">
+                        <a:solidFill>
+                          <a:schemeClr val="tx1">
+                            <a:lumMod val="65000"/>
+                            <a:lumOff val="35000"/>
+                          </a:schemeClr>
+                        </a:solidFill>
+                      </a:endParaRPr>
+                    </a:p>
+                  </a:txBody>
+                  <a:tcPr/>
+                </a:tc>
+                <a:tc>
+                  <a:txBody>
+                    <a:bodyPr/>
+                    <a:lstStyle/>
+                    <a:p>
+                      <a:pPr algn="ctr"/>
+                      <a:r>
+                        <a:rPr lang="pt-PT" dirty="0" smtClean="0"/>
+                        <a:t>6.2</a:t>
+                      </a:r>
+                      <a:endParaRPr lang="en-US" dirty="0"/>
+                    </a:p>
+                  </a:txBody>
+                  <a:tcPr anchor="ctr"/>
+                </a:tc>
+                <a:tc>
+                  <a:txBody>
+                    <a:bodyPr/>
+                    <a:lstStyle/>
+                    <a:p>
+                      <a:pPr algn="ctr"/>
+                      <a:r>
+                        <a:rPr lang="pt-PT" dirty="0" smtClean="0"/>
+                        <a:t>5.8</a:t>
+                      </a:r>
+                      <a:endParaRPr lang="en-US" dirty="0"/>
+                    </a:p>
+                  </a:txBody>
+                  <a:tcPr anchor="ctr"/>
+                </a:tc>
+                <a:tc>
+                  <a:txBody>
+                    <a:bodyPr/>
+                    <a:lstStyle/>
+                    <a:p>
+                      <a:pPr algn="ctr"/>
+                      <a:r>
+                        <a:rPr lang="pt-PT" dirty="0" smtClean="0"/>
+                        <a:t>8.4</a:t>
+                      </a:r>
+                      <a:endParaRPr lang="en-US" dirty="0"/>
+                    </a:p>
+                  </a:txBody>
+                  <a:tcPr anchor="ctr"/>
+                </a:tc>
+              </a:tr>
+              <a:tr h="370840">
+                <a:tc>
+                  <a:txBody>
+                    <a:bodyPr/>
+                    <a:lstStyle/>
+                    <a:p>
+                      <a:r>
+                        <a:rPr lang="pt-PT" b="1" dirty="0" err="1" smtClean="0">
+                          <a:solidFill>
+                            <a:schemeClr val="tx1">
+                              <a:lumMod val="65000"/>
+                              <a:lumOff val="35000"/>
+                            </a:schemeClr>
+                          </a:solidFill>
+                        </a:rPr>
+                        <a:t>Minimum</a:t>
+                      </a:r>
+                      <a:endParaRPr lang="en-US" b="1" dirty="0">
+                        <a:solidFill>
+                          <a:schemeClr val="tx1">
+                            <a:lumMod val="65000"/>
+                            <a:lumOff val="35000"/>
+                          </a:schemeClr>
+                        </a:solidFill>
+                      </a:endParaRPr>
+                    </a:p>
+                  </a:txBody>
+                  <a:tcPr/>
+                </a:tc>
+                <a:tc>
+                  <a:txBody>
+                    <a:bodyPr/>
+                    <a:lstStyle/>
+                    <a:p>
+                      <a:pPr algn="ctr"/>
+                      <a:r>
+                        <a:rPr lang="pt-PT" dirty="0" smtClean="0"/>
+                        <a:t>0</a:t>
+                      </a:r>
+                      <a:endParaRPr lang="en-US" dirty="0"/>
+                    </a:p>
+                  </a:txBody>
+                  <a:tcPr anchor="ctr"/>
+                </a:tc>
+                <a:tc>
+                  <a:txBody>
+                    <a:bodyPr/>
+                    <a:lstStyle/>
+                    <a:p>
+                      <a:pPr algn="ctr"/>
+                      <a:r>
+                        <a:rPr lang="pt-PT" dirty="0" smtClean="0"/>
+                        <a:t>0</a:t>
+                      </a:r>
+                      <a:endParaRPr lang="en-US" dirty="0"/>
+                    </a:p>
+                  </a:txBody>
+                  <a:tcPr anchor="ctr"/>
+                </a:tc>
+                <a:tc>
+                  <a:txBody>
+                    <a:bodyPr/>
+                    <a:lstStyle/>
+                    <a:p>
+                      <a:pPr algn="ctr"/>
+                      <a:r>
+                        <a:rPr lang="pt-PT" dirty="0" smtClean="0"/>
+                        <a:t>0</a:t>
+                      </a:r>
+                      <a:endParaRPr lang="en-US" dirty="0"/>
+                    </a:p>
+                  </a:txBody>
+                  <a:tcPr anchor="ctr"/>
+                </a:tc>
+              </a:tr>
+              <a:tr h="370840">
+                <a:tc>
+                  <a:txBody>
+                    <a:bodyPr/>
+                    <a:lstStyle/>
+                    <a:p>
+                      <a:r>
+                        <a:rPr lang="pt-PT" b="1" dirty="0" smtClean="0">
+                          <a:solidFill>
+                            <a:schemeClr val="tx1">
+                              <a:lumMod val="65000"/>
+                              <a:lumOff val="35000"/>
+                            </a:schemeClr>
+                          </a:solidFill>
+                        </a:rPr>
+                        <a:t>1st </a:t>
+                      </a:r>
+                      <a:r>
+                        <a:rPr lang="pt-PT" b="1" dirty="0" err="1" smtClean="0">
+                          <a:solidFill>
+                            <a:schemeClr val="tx1">
+                              <a:lumMod val="65000"/>
+                              <a:lumOff val="35000"/>
+                            </a:schemeClr>
+                          </a:solidFill>
+                        </a:rPr>
+                        <a:t>Quartile</a:t>
+                      </a:r>
+                      <a:endParaRPr lang="en-US" b="1" dirty="0">
+                        <a:solidFill>
+                          <a:schemeClr val="tx1">
+                            <a:lumMod val="65000"/>
+                            <a:lumOff val="35000"/>
+                          </a:schemeClr>
+                        </a:solidFill>
+                      </a:endParaRPr>
+                    </a:p>
+                  </a:txBody>
+                  <a:tcPr/>
+                </a:tc>
+                <a:tc>
+                  <a:txBody>
+                    <a:bodyPr/>
+                    <a:lstStyle/>
+                    <a:p>
+                      <a:pPr algn="ctr"/>
+                      <a:r>
+                        <a:rPr lang="pt-PT" dirty="0" smtClean="0"/>
+                        <a:t>0</a:t>
+                      </a:r>
+                      <a:endParaRPr lang="en-US" dirty="0"/>
+                    </a:p>
+                  </a:txBody>
+                  <a:tcPr anchor="ctr"/>
+                </a:tc>
+                <a:tc>
+                  <a:txBody>
+                    <a:bodyPr/>
+                    <a:lstStyle/>
+                    <a:p>
+                      <a:pPr algn="ctr"/>
+                      <a:r>
+                        <a:rPr lang="pt-PT" dirty="0" smtClean="0"/>
+                        <a:t>0</a:t>
+                      </a:r>
+                      <a:endParaRPr lang="en-US" dirty="0"/>
+                    </a:p>
+                  </a:txBody>
+                  <a:tcPr anchor="ctr"/>
+                </a:tc>
+                <a:tc>
+                  <a:txBody>
+                    <a:bodyPr/>
+                    <a:lstStyle/>
+                    <a:p>
+                      <a:pPr algn="ctr"/>
+                      <a:r>
+                        <a:rPr lang="pt-PT" dirty="0" smtClean="0"/>
+                        <a:t>0</a:t>
+                      </a:r>
+                      <a:endParaRPr lang="en-US" dirty="0"/>
+                    </a:p>
+                  </a:txBody>
+                  <a:tcPr anchor="ctr"/>
+                </a:tc>
+              </a:tr>
+              <a:tr h="370840">
+                <a:tc>
+                  <a:txBody>
+                    <a:bodyPr/>
+                    <a:lstStyle/>
+                    <a:p>
+                      <a:r>
+                        <a:rPr lang="pt-PT" b="1" dirty="0" err="1" smtClean="0">
+                          <a:solidFill>
+                            <a:schemeClr val="tx1">
+                              <a:lumMod val="65000"/>
+                              <a:lumOff val="35000"/>
+                            </a:schemeClr>
+                          </a:solidFill>
+                        </a:rPr>
+                        <a:t>Median</a:t>
+                      </a:r>
+                      <a:endParaRPr lang="en-US" b="1" dirty="0">
+                        <a:solidFill>
+                          <a:schemeClr val="tx1">
+                            <a:lumMod val="65000"/>
+                            <a:lumOff val="35000"/>
+                          </a:schemeClr>
+                        </a:solidFill>
+                      </a:endParaRPr>
+                    </a:p>
+                  </a:txBody>
+                  <a:tcPr/>
+                </a:tc>
+                <a:tc>
+                  <a:txBody>
+                    <a:bodyPr/>
+                    <a:lstStyle/>
+                    <a:p>
+                      <a:pPr algn="ctr"/>
+                      <a:r>
+                        <a:rPr lang="pt-PT" dirty="0" smtClean="0"/>
+                        <a:t>0</a:t>
+                      </a:r>
+                      <a:endParaRPr lang="en-US" dirty="0"/>
+                    </a:p>
+                  </a:txBody>
+                  <a:tcPr anchor="ctr"/>
+                </a:tc>
+                <a:tc>
+                  <a:txBody>
+                    <a:bodyPr/>
+                    <a:lstStyle/>
+                    <a:p>
+                      <a:pPr algn="ctr"/>
+                      <a:r>
+                        <a:rPr lang="pt-PT" dirty="0" smtClean="0"/>
+                        <a:t>0</a:t>
+                      </a:r>
+                      <a:endParaRPr lang="en-US" dirty="0"/>
+                    </a:p>
+                  </a:txBody>
+                  <a:tcPr anchor="ctr"/>
+                </a:tc>
+                <a:tc>
+                  <a:txBody>
+                    <a:bodyPr/>
+                    <a:lstStyle/>
+                    <a:p>
+                      <a:pPr algn="ctr"/>
+                      <a:r>
+                        <a:rPr lang="pt-PT" dirty="0" smtClean="0"/>
+                        <a:t>1</a:t>
+                      </a:r>
+                      <a:endParaRPr lang="en-US" dirty="0"/>
+                    </a:p>
+                  </a:txBody>
+                  <a:tcPr anchor="ctr"/>
+                </a:tc>
+              </a:tr>
+              <a:tr h="370840">
+                <a:tc>
+                  <a:txBody>
+                    <a:bodyPr/>
+                    <a:lstStyle/>
+                    <a:p>
+                      <a:r>
+                        <a:rPr lang="pt-PT" b="1" dirty="0" err="1" smtClean="0">
+                          <a:solidFill>
+                            <a:schemeClr val="tx1">
+                              <a:lumMod val="65000"/>
+                              <a:lumOff val="35000"/>
+                            </a:schemeClr>
+                          </a:solidFill>
+                        </a:rPr>
+                        <a:t>Mode</a:t>
+                      </a:r>
+                      <a:endParaRPr lang="en-US" b="1" dirty="0">
+                        <a:solidFill>
+                          <a:schemeClr val="tx1">
+                            <a:lumMod val="65000"/>
+                            <a:lumOff val="35000"/>
+                          </a:schemeClr>
+                        </a:solidFill>
+                      </a:endParaRPr>
+                    </a:p>
+                  </a:txBody>
+                  <a:tcPr/>
+                </a:tc>
+                <a:tc>
+                  <a:txBody>
+                    <a:bodyPr/>
+                    <a:lstStyle/>
+                    <a:p>
+                      <a:pPr algn="ctr"/>
+                      <a:r>
+                        <a:rPr lang="pt-PT" dirty="0" smtClean="0"/>
+                        <a:t>0</a:t>
+                      </a:r>
+                      <a:endParaRPr lang="en-US" dirty="0"/>
+                    </a:p>
+                  </a:txBody>
+                  <a:tcPr anchor="ctr"/>
+                </a:tc>
+                <a:tc>
+                  <a:txBody>
+                    <a:bodyPr/>
+                    <a:lstStyle/>
+                    <a:p>
+                      <a:pPr algn="ctr"/>
+                      <a:r>
+                        <a:rPr lang="pt-PT" dirty="0" smtClean="0"/>
+                        <a:t>0</a:t>
+                      </a:r>
+                      <a:endParaRPr lang="en-US" dirty="0"/>
+                    </a:p>
+                  </a:txBody>
+                  <a:tcPr anchor="ctr"/>
+                </a:tc>
+                <a:tc>
+                  <a:txBody>
+                    <a:bodyPr/>
+                    <a:lstStyle/>
+                    <a:p>
+                      <a:pPr algn="ctr"/>
+                      <a:r>
+                        <a:rPr lang="pt-PT" dirty="0" smtClean="0"/>
+                        <a:t>0</a:t>
+                      </a:r>
+                      <a:endParaRPr lang="en-US" dirty="0"/>
+                    </a:p>
+                  </a:txBody>
+                  <a:tcPr anchor="ctr"/>
+                </a:tc>
+              </a:tr>
+              <a:tr h="370840">
+                <a:tc>
+                  <a:txBody>
+                    <a:bodyPr/>
+                    <a:lstStyle/>
+                    <a:p>
+                      <a:r>
+                        <a:rPr lang="pt-PT" b="1" dirty="0" err="1" smtClean="0">
+                          <a:solidFill>
+                            <a:schemeClr val="tx1">
+                              <a:lumMod val="65000"/>
+                              <a:lumOff val="35000"/>
+                            </a:schemeClr>
+                          </a:solidFill>
+                        </a:rPr>
+                        <a:t>Mean</a:t>
+                      </a:r>
+                      <a:endParaRPr lang="en-US" b="1" dirty="0">
+                        <a:solidFill>
+                          <a:schemeClr val="tx1">
+                            <a:lumMod val="65000"/>
+                            <a:lumOff val="35000"/>
+                          </a:schemeClr>
+                        </a:solidFill>
+                      </a:endParaRPr>
+                    </a:p>
+                  </a:txBody>
+                  <a:tcPr/>
+                </a:tc>
+                <a:tc>
+                  <a:txBody>
+                    <a:bodyPr/>
+                    <a:lstStyle/>
+                    <a:p>
+                      <a:pPr algn="ctr"/>
+                      <a:r>
+                        <a:rPr lang="pt-PT" dirty="0" smtClean="0"/>
+                        <a:t>1.1</a:t>
+                      </a:r>
+                      <a:endParaRPr lang="en-US" dirty="0"/>
+                    </a:p>
+                  </a:txBody>
+                  <a:tcPr anchor="ctr"/>
+                </a:tc>
+                <a:tc>
+                  <a:txBody>
+                    <a:bodyPr/>
+                    <a:lstStyle/>
+                    <a:p>
+                      <a:pPr algn="ctr"/>
+                      <a:r>
+                        <a:rPr lang="pt-PT" dirty="0" smtClean="0"/>
+                        <a:t>1.3</a:t>
+                      </a:r>
+                      <a:endParaRPr lang="en-US" dirty="0"/>
+                    </a:p>
+                  </a:txBody>
+                  <a:tcPr anchor="ctr"/>
+                </a:tc>
+                <a:tc>
+                  <a:txBody>
+                    <a:bodyPr/>
+                    <a:lstStyle/>
+                    <a:p>
+                      <a:pPr algn="ctr"/>
+                      <a:r>
+                        <a:rPr lang="pt-PT" dirty="0" smtClean="0"/>
+                        <a:t>6.5</a:t>
+                      </a:r>
+                      <a:endParaRPr lang="en-US" dirty="0"/>
+                    </a:p>
+                  </a:txBody>
+                  <a:tcPr anchor="ctr"/>
+                </a:tc>
+              </a:tr>
+              <a:tr h="370840">
+                <a:tc>
+                  <a:txBody>
+                    <a:bodyPr/>
+                    <a:lstStyle/>
+                    <a:p>
+                      <a:r>
+                        <a:rPr lang="pt-PT" b="1" dirty="0" smtClean="0">
+                          <a:solidFill>
+                            <a:schemeClr val="tx1">
+                              <a:lumMod val="65000"/>
+                              <a:lumOff val="35000"/>
+                            </a:schemeClr>
+                          </a:solidFill>
+                        </a:rPr>
+                        <a:t>3rd</a:t>
+                      </a:r>
+                      <a:r>
+                        <a:rPr lang="pt-PT" b="1" baseline="0" dirty="0" smtClean="0">
+                          <a:solidFill>
+                            <a:schemeClr val="tx1">
+                              <a:lumMod val="65000"/>
+                              <a:lumOff val="35000"/>
+                            </a:schemeClr>
+                          </a:solidFill>
+                        </a:rPr>
+                        <a:t> </a:t>
+                      </a:r>
+                      <a:r>
+                        <a:rPr lang="pt-PT" b="1" baseline="0" dirty="0" err="1" smtClean="0">
+                          <a:solidFill>
+                            <a:schemeClr val="tx1">
+                              <a:lumMod val="65000"/>
+                              <a:lumOff val="35000"/>
+                            </a:schemeClr>
+                          </a:solidFill>
+                        </a:rPr>
+                        <a:t>Quartile</a:t>
+                      </a:r>
+                      <a:endParaRPr lang="en-US" b="1" dirty="0">
+                        <a:solidFill>
+                          <a:schemeClr val="tx1">
+                            <a:lumMod val="65000"/>
+                            <a:lumOff val="35000"/>
+                          </a:schemeClr>
+                        </a:solidFill>
+                      </a:endParaRPr>
+                    </a:p>
+                  </a:txBody>
+                  <a:tcPr/>
+                </a:tc>
+                <a:tc>
+                  <a:txBody>
+                    <a:bodyPr/>
+                    <a:lstStyle/>
+                    <a:p>
+                      <a:pPr algn="ctr"/>
+                      <a:r>
+                        <a:rPr lang="pt-PT" dirty="0" smtClean="0"/>
+                        <a:t>0</a:t>
+                      </a:r>
+                      <a:endParaRPr lang="en-US" dirty="0"/>
+                    </a:p>
+                  </a:txBody>
+                  <a:tcPr anchor="ctr"/>
+                </a:tc>
+                <a:tc>
+                  <a:txBody>
+                    <a:bodyPr/>
+                    <a:lstStyle/>
+                    <a:p>
+                      <a:pPr algn="ctr"/>
+                      <a:r>
+                        <a:rPr lang="pt-PT" dirty="0" smtClean="0"/>
+                        <a:t>1</a:t>
+                      </a:r>
+                      <a:endParaRPr lang="en-US" dirty="0"/>
+                    </a:p>
+                  </a:txBody>
+                  <a:tcPr anchor="ctr"/>
+                </a:tc>
+                <a:tc>
+                  <a:txBody>
+                    <a:bodyPr/>
+                    <a:lstStyle/>
+                    <a:p>
+                      <a:pPr algn="ctr"/>
+                      <a:r>
+                        <a:rPr lang="pt-PT" dirty="0" smtClean="0"/>
+                        <a:t>17</a:t>
+                      </a:r>
+                      <a:endParaRPr lang="en-US" dirty="0"/>
+                    </a:p>
+                  </a:txBody>
+                  <a:tcPr anchor="ctr"/>
+                </a:tc>
+              </a:tr>
+              <a:tr h="370840">
+                <a:tc>
+                  <a:txBody>
+                    <a:bodyPr/>
+                    <a:lstStyle/>
+                    <a:p>
+                      <a:pPr marL="0" marR="0" lvl="0" indent="0" algn="l" defTabSz="914400" rtl="0" eaLnBrk="1" fontAlgn="auto" latinLnBrk="0" hangingPunct="1">
+                        <a:lnSpc>
+                          <a:spcPct val="100000"/>
+                        </a:lnSpc>
+                        <a:spcBef>
+                          <a:spcPts val="0"/>
+                        </a:spcBef>
+                        <a:spcAft>
+                          <a:spcPts val="0"/>
+                        </a:spcAft>
+                        <a:buClrTx/>
+                        <a:buSzTx/>
+                        <a:buFontTx/>
+                        <a:buNone/>
+                        <a:tabLst/>
+                        <a:defRPr/>
+                      </a:pPr>
+                      <a:r>
+                        <a:rPr lang="pt-PT" b="1" dirty="0" err="1" smtClean="0">
+                          <a:solidFill>
+                            <a:schemeClr val="tx1">
+                              <a:lumMod val="65000"/>
+                              <a:lumOff val="35000"/>
+                            </a:schemeClr>
+                          </a:solidFill>
+                        </a:rPr>
+                        <a:t>Maximum</a:t>
+                      </a:r>
+                      <a:endParaRPr lang="en-US" b="1" dirty="0" smtClean="0">
+                        <a:solidFill>
+                          <a:schemeClr val="tx1">
+                            <a:lumMod val="65000"/>
+                            <a:lumOff val="35000"/>
+                          </a:schemeClr>
+                        </a:solidFill>
+                      </a:endParaRPr>
+                    </a:p>
+                  </a:txBody>
+                  <a:tcPr/>
+                </a:tc>
+                <a:tc>
+                  <a:txBody>
+                    <a:bodyPr/>
+                    <a:lstStyle/>
+                    <a:p>
+                      <a:pPr algn="ctr"/>
+                      <a:r>
+                        <a:rPr lang="pt-PT" dirty="0" smtClean="0"/>
+                        <a:t>88</a:t>
+                      </a:r>
+                      <a:endParaRPr lang="en-US" dirty="0"/>
+                    </a:p>
+                  </a:txBody>
+                  <a:tcPr anchor="ctr"/>
+                </a:tc>
+                <a:tc>
+                  <a:txBody>
+                    <a:bodyPr/>
+                    <a:lstStyle/>
+                    <a:p>
+                      <a:pPr algn="ctr"/>
+                      <a:r>
+                        <a:rPr lang="pt-PT" dirty="0" smtClean="0"/>
+                        <a:t>80</a:t>
+                      </a:r>
+                      <a:endParaRPr lang="en-US" dirty="0"/>
+                    </a:p>
+                  </a:txBody>
+                  <a:tcPr anchor="ctr"/>
+                </a:tc>
+                <a:tc>
+                  <a:txBody>
+                    <a:bodyPr/>
+                    <a:lstStyle/>
+                    <a:p>
+                      <a:pPr algn="ctr"/>
+                      <a:r>
+                        <a:rPr lang="pt-PT" dirty="0" smtClean="0"/>
+                        <a:t>31</a:t>
+                      </a:r>
+                      <a:endParaRPr lang="en-US" dirty="0"/>
+                    </a:p>
+                  </a:txBody>
+                  <a:tcPr anchor="ctr"/>
+                </a:tc>
+              </a:tr>
+            </a:tbl>
+          </a:graphicData>
+        </a:graphic>
+      </p:graphicFrame>
+      <p:sp>
+        <p:nvSpPr>
+          <p:cNvPr id="5" name="TextBox 4"/>
+          <p:cNvSpPr txBox="1"/>
+          <p:nvPr/>
+        </p:nvSpPr>
+        <p:spPr>
+          <a:xfrm>
+            <a:off x="1272051" y="5338550"/>
+            <a:ext cx="9545114" cy="400110"/>
+          </a:xfrm>
+          <a:prstGeom prst="rect">
+            <a:avLst/>
+          </a:prstGeom>
+          <a:noFill/>
+        </p:spPr>
+        <p:txBody>
+          <a:bodyPr wrap="none" rtlCol="0">
+            <a:spAutoFit/>
+          </a:bodyPr>
           <a:lstStyle/>
           <a:p>
-            <a:endParaRPr lang="en-US"/>
+            <a:r>
+              <a:rPr lang="en-US" sz="2000" b="1" dirty="0" smtClean="0"/>
+              <a:t>Table 1 </a:t>
+            </a:r>
+            <a:r>
+              <a:rPr lang="en-US" sz="2000" dirty="0" smtClean="0"/>
+              <a:t>– Descriptive statistics for each of the sub meters for the entire time frame.</a:t>
+            </a:r>
+            <a:endParaRPr lang="en-US" sz="2000" dirty="0"/>
           </a:p>
         </p:txBody>
       </p:sp>

--- a/Task1/Task1_ppt.pptx
+++ b/Task1/Task1_ppt.pptx
@@ -147,7 +147,7 @@
           <p:cNvPr id="8" name="Picture Placeholder 7">
             <a:extLst>
               <a:ext uri="{FF2B5EF4-FFF2-40B4-BE49-F238E27FC236}">
-                <a16:creationId xmlns="" xmlns:a16="http://schemas.microsoft.com/office/drawing/2014/main" id="{DF9C7667-EADA-40AC-B931-4642E0A9A4DE}"/>
+                <a16:creationId xmlns:a16="http://schemas.microsoft.com/office/drawing/2014/main" xmlns="" id="{DF9C7667-EADA-40AC-B931-4642E0A9A4DE}"/>
               </a:ext>
             </a:extLst>
           </p:cNvPr>
@@ -199,7 +199,7 @@
           <p:cNvPr id="2" name="Title 1">
             <a:extLst>
               <a:ext uri="{FF2B5EF4-FFF2-40B4-BE49-F238E27FC236}">
-                <a16:creationId xmlns="" xmlns:a16="http://schemas.microsoft.com/office/drawing/2014/main" id="{43379CA9-81D6-424A-8046-4B56E1D25059}"/>
+                <a16:creationId xmlns:a16="http://schemas.microsoft.com/office/drawing/2014/main" xmlns="" id="{43379CA9-81D6-424A-8046-4B56E1D25059}"/>
               </a:ext>
             </a:extLst>
           </p:cNvPr>
@@ -276,7 +276,7 @@
           <p:cNvPr id="2" name="Title 1">
             <a:extLst>
               <a:ext uri="{FF2B5EF4-FFF2-40B4-BE49-F238E27FC236}">
-                <a16:creationId xmlns="" xmlns:a16="http://schemas.microsoft.com/office/drawing/2014/main" id="{43379CA9-81D6-424A-8046-4B56E1D25059}"/>
+                <a16:creationId xmlns:a16="http://schemas.microsoft.com/office/drawing/2014/main" xmlns="" id="{43379CA9-81D6-424A-8046-4B56E1D25059}"/>
               </a:ext>
             </a:extLst>
           </p:cNvPr>
@@ -318,7 +318,7 @@
           <p:cNvPr id="9" name="Picture Placeholder 8">
             <a:extLst>
               <a:ext uri="{FF2B5EF4-FFF2-40B4-BE49-F238E27FC236}">
-                <a16:creationId xmlns="" xmlns:a16="http://schemas.microsoft.com/office/drawing/2014/main" id="{B2F51F73-5064-47F8-83FD-440E0ED1950B}"/>
+                <a16:creationId xmlns:a16="http://schemas.microsoft.com/office/drawing/2014/main" xmlns="" id="{B2F51F73-5064-47F8-83FD-440E0ED1950B}"/>
               </a:ext>
             </a:extLst>
           </p:cNvPr>
@@ -359,7 +359,7 @@
           <p:cNvPr id="18" name="Picture Placeholder 8">
             <a:extLst>
               <a:ext uri="{FF2B5EF4-FFF2-40B4-BE49-F238E27FC236}">
-                <a16:creationId xmlns="" xmlns:a16="http://schemas.microsoft.com/office/drawing/2014/main" id="{06FF689A-8221-42E8-96D4-ED4D3AD501F8}"/>
+                <a16:creationId xmlns:a16="http://schemas.microsoft.com/office/drawing/2014/main" xmlns="" id="{06FF689A-8221-42E8-96D4-ED4D3AD501F8}"/>
               </a:ext>
             </a:extLst>
           </p:cNvPr>
@@ -400,7 +400,7 @@
           <p:cNvPr id="19" name="Picture Placeholder 8">
             <a:extLst>
               <a:ext uri="{FF2B5EF4-FFF2-40B4-BE49-F238E27FC236}">
-                <a16:creationId xmlns="" xmlns:a16="http://schemas.microsoft.com/office/drawing/2014/main" id="{96424DB2-4D46-493F-A5B8-8901EDA394F2}"/>
+                <a16:creationId xmlns:a16="http://schemas.microsoft.com/office/drawing/2014/main" xmlns="" id="{96424DB2-4D46-493F-A5B8-8901EDA394F2}"/>
               </a:ext>
             </a:extLst>
           </p:cNvPr>
@@ -441,7 +441,7 @@
           <p:cNvPr id="20" name="Picture Placeholder 8">
             <a:extLst>
               <a:ext uri="{FF2B5EF4-FFF2-40B4-BE49-F238E27FC236}">
-                <a16:creationId xmlns="" xmlns:a16="http://schemas.microsoft.com/office/drawing/2014/main" id="{0AF2B6E1-5738-41B1-8C15-EA6715490140}"/>
+                <a16:creationId xmlns:a16="http://schemas.microsoft.com/office/drawing/2014/main" xmlns="" id="{0AF2B6E1-5738-41B1-8C15-EA6715490140}"/>
               </a:ext>
             </a:extLst>
           </p:cNvPr>
@@ -482,7 +482,7 @@
           <p:cNvPr id="21" name="Picture Placeholder 8">
             <a:extLst>
               <a:ext uri="{FF2B5EF4-FFF2-40B4-BE49-F238E27FC236}">
-                <a16:creationId xmlns="" xmlns:a16="http://schemas.microsoft.com/office/drawing/2014/main" id="{6C8D73EB-347C-4E13-94C8-FA8FADE46559}"/>
+                <a16:creationId xmlns:a16="http://schemas.microsoft.com/office/drawing/2014/main" xmlns="" id="{6C8D73EB-347C-4E13-94C8-FA8FADE46559}"/>
               </a:ext>
             </a:extLst>
           </p:cNvPr>
@@ -523,7 +523,7 @@
           <p:cNvPr id="22" name="Picture Placeholder 8">
             <a:extLst>
               <a:ext uri="{FF2B5EF4-FFF2-40B4-BE49-F238E27FC236}">
-                <a16:creationId xmlns="" xmlns:a16="http://schemas.microsoft.com/office/drawing/2014/main" id="{9DFA5C56-9B47-4F87-8E12-30A936274F1B}"/>
+                <a16:creationId xmlns:a16="http://schemas.microsoft.com/office/drawing/2014/main" xmlns="" id="{9DFA5C56-9B47-4F87-8E12-30A936274F1B}"/>
               </a:ext>
             </a:extLst>
           </p:cNvPr>
@@ -564,7 +564,7 @@
           <p:cNvPr id="23" name="Picture Placeholder 8">
             <a:extLst>
               <a:ext uri="{FF2B5EF4-FFF2-40B4-BE49-F238E27FC236}">
-                <a16:creationId xmlns="" xmlns:a16="http://schemas.microsoft.com/office/drawing/2014/main" id="{1E3B5888-98ED-48E4-8AA8-5BAB43F8516C}"/>
+                <a16:creationId xmlns:a16="http://schemas.microsoft.com/office/drawing/2014/main" xmlns="" id="{1E3B5888-98ED-48E4-8AA8-5BAB43F8516C}"/>
               </a:ext>
             </a:extLst>
           </p:cNvPr>
@@ -605,7 +605,7 @@
           <p:cNvPr id="24" name="Picture Placeholder 8">
             <a:extLst>
               <a:ext uri="{FF2B5EF4-FFF2-40B4-BE49-F238E27FC236}">
-                <a16:creationId xmlns="" xmlns:a16="http://schemas.microsoft.com/office/drawing/2014/main" id="{569C9EE3-34D1-4DE0-B06C-2F6212F7C329}"/>
+                <a16:creationId xmlns:a16="http://schemas.microsoft.com/office/drawing/2014/main" xmlns="" id="{569C9EE3-34D1-4DE0-B06C-2F6212F7C329}"/>
               </a:ext>
             </a:extLst>
           </p:cNvPr>
@@ -676,7 +676,7 @@
           <p:cNvPr id="8" name="Rectangle 7">
             <a:extLst>
               <a:ext uri="{FF2B5EF4-FFF2-40B4-BE49-F238E27FC236}">
-                <a16:creationId xmlns="" xmlns:a16="http://schemas.microsoft.com/office/drawing/2014/main" id="{5462B86F-90E5-425E-9F83-8477D8111E1D}"/>
+                <a16:creationId xmlns:a16="http://schemas.microsoft.com/office/drawing/2014/main" xmlns="" id="{5462B86F-90E5-425E-9F83-8477D8111E1D}"/>
               </a:ext>
             </a:extLst>
           </p:cNvPr>
@@ -728,7 +728,7 @@
           <p:cNvPr id="9" name="Rectangle 8">
             <a:extLst>
               <a:ext uri="{FF2B5EF4-FFF2-40B4-BE49-F238E27FC236}">
-                <a16:creationId xmlns="" xmlns:a16="http://schemas.microsoft.com/office/drawing/2014/main" id="{F5269853-3C2C-4F9C-B1BB-E00F7A1DB9E1}"/>
+                <a16:creationId xmlns:a16="http://schemas.microsoft.com/office/drawing/2014/main" xmlns="" id="{F5269853-3C2C-4F9C-B1BB-E00F7A1DB9E1}"/>
               </a:ext>
             </a:extLst>
           </p:cNvPr>
@@ -780,7 +780,7 @@
           <p:cNvPr id="11" name="Rectangle 10">
             <a:extLst>
               <a:ext uri="{FF2B5EF4-FFF2-40B4-BE49-F238E27FC236}">
-                <a16:creationId xmlns="" xmlns:a16="http://schemas.microsoft.com/office/drawing/2014/main" id="{93759D58-52AF-4785-8A33-F528F46D88A3}"/>
+                <a16:creationId xmlns:a16="http://schemas.microsoft.com/office/drawing/2014/main" xmlns="" id="{93759D58-52AF-4785-8A33-F528F46D88A3}"/>
               </a:ext>
             </a:extLst>
           </p:cNvPr>
@@ -832,7 +832,7 @@
           <p:cNvPr id="12" name="Rectangle 11">
             <a:extLst>
               <a:ext uri="{FF2B5EF4-FFF2-40B4-BE49-F238E27FC236}">
-                <a16:creationId xmlns="" xmlns:a16="http://schemas.microsoft.com/office/drawing/2014/main" id="{6AD3E0F4-EC0D-43C2-AC84-A53134C8566E}"/>
+                <a16:creationId xmlns:a16="http://schemas.microsoft.com/office/drawing/2014/main" xmlns="" id="{6AD3E0F4-EC0D-43C2-AC84-A53134C8566E}"/>
               </a:ext>
             </a:extLst>
           </p:cNvPr>
@@ -884,7 +884,7 @@
           <p:cNvPr id="2" name="Title 1">
             <a:extLst>
               <a:ext uri="{FF2B5EF4-FFF2-40B4-BE49-F238E27FC236}">
-                <a16:creationId xmlns="" xmlns:a16="http://schemas.microsoft.com/office/drawing/2014/main" id="{43379CA9-81D6-424A-8046-4B56E1D25059}"/>
+                <a16:creationId xmlns:a16="http://schemas.microsoft.com/office/drawing/2014/main" xmlns="" id="{43379CA9-81D6-424A-8046-4B56E1D25059}"/>
               </a:ext>
             </a:extLst>
           </p:cNvPr>
@@ -928,7 +928,7 @@
           <p:cNvPr id="10" name="Text Placeholder 9">
             <a:extLst>
               <a:ext uri="{FF2B5EF4-FFF2-40B4-BE49-F238E27FC236}">
-                <a16:creationId xmlns="" xmlns:a16="http://schemas.microsoft.com/office/drawing/2014/main" id="{2A60302F-65DB-4E93-B6C3-49E64C44FB53}"/>
+                <a16:creationId xmlns:a16="http://schemas.microsoft.com/office/drawing/2014/main" xmlns="" id="{2A60302F-65DB-4E93-B6C3-49E64C44FB53}"/>
               </a:ext>
             </a:extLst>
           </p:cNvPr>
@@ -996,7 +996,7 @@
           <p:cNvPr id="7" name="Picture Placeholder 6">
             <a:extLst>
               <a:ext uri="{FF2B5EF4-FFF2-40B4-BE49-F238E27FC236}">
-                <a16:creationId xmlns="" xmlns:a16="http://schemas.microsoft.com/office/drawing/2014/main" id="{9A66F217-0E52-4AD8-82BA-AB332C59638C}"/>
+                <a16:creationId xmlns:a16="http://schemas.microsoft.com/office/drawing/2014/main" xmlns="" id="{9A66F217-0E52-4AD8-82BA-AB332C59638C}"/>
               </a:ext>
             </a:extLst>
           </p:cNvPr>
@@ -1082,7 +1082,7 @@
           <p:cNvPr id="2" name="Title 1">
             <a:extLst>
               <a:ext uri="{FF2B5EF4-FFF2-40B4-BE49-F238E27FC236}">
-                <a16:creationId xmlns="" xmlns:a16="http://schemas.microsoft.com/office/drawing/2014/main" id="{43379CA9-81D6-424A-8046-4B56E1D25059}"/>
+                <a16:creationId xmlns:a16="http://schemas.microsoft.com/office/drawing/2014/main" xmlns="" id="{43379CA9-81D6-424A-8046-4B56E1D25059}"/>
               </a:ext>
             </a:extLst>
           </p:cNvPr>
@@ -1124,7 +1124,7 @@
           <p:cNvPr id="9" name="Picture Placeholder 8">
             <a:extLst>
               <a:ext uri="{FF2B5EF4-FFF2-40B4-BE49-F238E27FC236}">
-                <a16:creationId xmlns="" xmlns:a16="http://schemas.microsoft.com/office/drawing/2014/main" id="{B2F51F73-5064-47F8-83FD-440E0ED1950B}"/>
+                <a16:creationId xmlns:a16="http://schemas.microsoft.com/office/drawing/2014/main" xmlns="" id="{B2F51F73-5064-47F8-83FD-440E0ED1950B}"/>
               </a:ext>
             </a:extLst>
           </p:cNvPr>
@@ -1165,7 +1165,7 @@
           <p:cNvPr id="18" name="Picture Placeholder 8">
             <a:extLst>
               <a:ext uri="{FF2B5EF4-FFF2-40B4-BE49-F238E27FC236}">
-                <a16:creationId xmlns="" xmlns:a16="http://schemas.microsoft.com/office/drawing/2014/main" id="{06FF689A-8221-42E8-96D4-ED4D3AD501F8}"/>
+                <a16:creationId xmlns:a16="http://schemas.microsoft.com/office/drawing/2014/main" xmlns="" id="{06FF689A-8221-42E8-96D4-ED4D3AD501F8}"/>
               </a:ext>
             </a:extLst>
           </p:cNvPr>
@@ -1206,7 +1206,7 @@
           <p:cNvPr id="19" name="Picture Placeholder 8">
             <a:extLst>
               <a:ext uri="{FF2B5EF4-FFF2-40B4-BE49-F238E27FC236}">
-                <a16:creationId xmlns="" xmlns:a16="http://schemas.microsoft.com/office/drawing/2014/main" id="{96424DB2-4D46-493F-A5B8-8901EDA394F2}"/>
+                <a16:creationId xmlns:a16="http://schemas.microsoft.com/office/drawing/2014/main" xmlns="" id="{96424DB2-4D46-493F-A5B8-8901EDA394F2}"/>
               </a:ext>
             </a:extLst>
           </p:cNvPr>
@@ -1247,7 +1247,7 @@
           <p:cNvPr id="20" name="Picture Placeholder 8">
             <a:extLst>
               <a:ext uri="{FF2B5EF4-FFF2-40B4-BE49-F238E27FC236}">
-                <a16:creationId xmlns="" xmlns:a16="http://schemas.microsoft.com/office/drawing/2014/main" id="{0AF2B6E1-5738-41B1-8C15-EA6715490140}"/>
+                <a16:creationId xmlns:a16="http://schemas.microsoft.com/office/drawing/2014/main" xmlns="" id="{0AF2B6E1-5738-41B1-8C15-EA6715490140}"/>
               </a:ext>
             </a:extLst>
           </p:cNvPr>
@@ -1288,7 +1288,7 @@
           <p:cNvPr id="21" name="Picture Placeholder 8">
             <a:extLst>
               <a:ext uri="{FF2B5EF4-FFF2-40B4-BE49-F238E27FC236}">
-                <a16:creationId xmlns="" xmlns:a16="http://schemas.microsoft.com/office/drawing/2014/main" id="{6C8D73EB-347C-4E13-94C8-FA8FADE46559}"/>
+                <a16:creationId xmlns:a16="http://schemas.microsoft.com/office/drawing/2014/main" xmlns="" id="{6C8D73EB-347C-4E13-94C8-FA8FADE46559}"/>
               </a:ext>
             </a:extLst>
           </p:cNvPr>
@@ -1329,7 +1329,7 @@
           <p:cNvPr id="22" name="Picture Placeholder 8">
             <a:extLst>
               <a:ext uri="{FF2B5EF4-FFF2-40B4-BE49-F238E27FC236}">
-                <a16:creationId xmlns="" xmlns:a16="http://schemas.microsoft.com/office/drawing/2014/main" id="{9DFA5C56-9B47-4F87-8E12-30A936274F1B}"/>
+                <a16:creationId xmlns:a16="http://schemas.microsoft.com/office/drawing/2014/main" xmlns="" id="{9DFA5C56-9B47-4F87-8E12-30A936274F1B}"/>
               </a:ext>
             </a:extLst>
           </p:cNvPr>
@@ -1370,7 +1370,7 @@
           <p:cNvPr id="23" name="Picture Placeholder 8">
             <a:extLst>
               <a:ext uri="{FF2B5EF4-FFF2-40B4-BE49-F238E27FC236}">
-                <a16:creationId xmlns="" xmlns:a16="http://schemas.microsoft.com/office/drawing/2014/main" id="{1E3B5888-98ED-48E4-8AA8-5BAB43F8516C}"/>
+                <a16:creationId xmlns:a16="http://schemas.microsoft.com/office/drawing/2014/main" xmlns="" id="{1E3B5888-98ED-48E4-8AA8-5BAB43F8516C}"/>
               </a:ext>
             </a:extLst>
           </p:cNvPr>
@@ -1411,7 +1411,7 @@
           <p:cNvPr id="24" name="Picture Placeholder 8">
             <a:extLst>
               <a:ext uri="{FF2B5EF4-FFF2-40B4-BE49-F238E27FC236}">
-                <a16:creationId xmlns="" xmlns:a16="http://schemas.microsoft.com/office/drawing/2014/main" id="{569C9EE3-34D1-4DE0-B06C-2F6212F7C329}"/>
+                <a16:creationId xmlns:a16="http://schemas.microsoft.com/office/drawing/2014/main" xmlns="" id="{569C9EE3-34D1-4DE0-B06C-2F6212F7C329}"/>
               </a:ext>
             </a:extLst>
           </p:cNvPr>
@@ -1482,7 +1482,7 @@
           <p:cNvPr id="8" name="Rectangle 7">
             <a:extLst>
               <a:ext uri="{FF2B5EF4-FFF2-40B4-BE49-F238E27FC236}">
-                <a16:creationId xmlns="" xmlns:a16="http://schemas.microsoft.com/office/drawing/2014/main" id="{53A3BC27-A809-4F76-931E-2DE01059A5AB}"/>
+                <a16:creationId xmlns:a16="http://schemas.microsoft.com/office/drawing/2014/main" xmlns="" id="{53A3BC27-A809-4F76-931E-2DE01059A5AB}"/>
               </a:ext>
             </a:extLst>
           </p:cNvPr>
@@ -1534,7 +1534,7 @@
           <p:cNvPr id="9" name="Rectangle 8">
             <a:extLst>
               <a:ext uri="{FF2B5EF4-FFF2-40B4-BE49-F238E27FC236}">
-                <a16:creationId xmlns="" xmlns:a16="http://schemas.microsoft.com/office/drawing/2014/main" id="{D96A5108-5EBA-43CE-BA4A-DA9EEF5D808A}"/>
+                <a16:creationId xmlns:a16="http://schemas.microsoft.com/office/drawing/2014/main" xmlns="" id="{D96A5108-5EBA-43CE-BA4A-DA9EEF5D808A}"/>
               </a:ext>
             </a:extLst>
           </p:cNvPr>
@@ -1586,7 +1586,7 @@
           <p:cNvPr id="11" name="Rectangle 10">
             <a:extLst>
               <a:ext uri="{FF2B5EF4-FFF2-40B4-BE49-F238E27FC236}">
-                <a16:creationId xmlns="" xmlns:a16="http://schemas.microsoft.com/office/drawing/2014/main" id="{E2712910-50D0-4906-AB08-F37D02F96D4A}"/>
+                <a16:creationId xmlns:a16="http://schemas.microsoft.com/office/drawing/2014/main" xmlns="" id="{E2712910-50D0-4906-AB08-F37D02F96D4A}"/>
               </a:ext>
             </a:extLst>
           </p:cNvPr>
@@ -1638,7 +1638,7 @@
           <p:cNvPr id="12" name="Rectangle 11">
             <a:extLst>
               <a:ext uri="{FF2B5EF4-FFF2-40B4-BE49-F238E27FC236}">
-                <a16:creationId xmlns="" xmlns:a16="http://schemas.microsoft.com/office/drawing/2014/main" id="{7DAC760C-BE23-4DA2-A294-3B5668F8AECA}"/>
+                <a16:creationId xmlns:a16="http://schemas.microsoft.com/office/drawing/2014/main" xmlns="" id="{7DAC760C-BE23-4DA2-A294-3B5668F8AECA}"/>
               </a:ext>
             </a:extLst>
           </p:cNvPr>
@@ -1690,7 +1690,7 @@
           <p:cNvPr id="2" name="Title 1">
             <a:extLst>
               <a:ext uri="{FF2B5EF4-FFF2-40B4-BE49-F238E27FC236}">
-                <a16:creationId xmlns="" xmlns:a16="http://schemas.microsoft.com/office/drawing/2014/main" id="{43379CA9-81D6-424A-8046-4B56E1D25059}"/>
+                <a16:creationId xmlns:a16="http://schemas.microsoft.com/office/drawing/2014/main" xmlns="" id="{43379CA9-81D6-424A-8046-4B56E1D25059}"/>
               </a:ext>
             </a:extLst>
           </p:cNvPr>
@@ -1732,7 +1732,7 @@
           <p:cNvPr id="10" name="Text Placeholder 9">
             <a:extLst>
               <a:ext uri="{FF2B5EF4-FFF2-40B4-BE49-F238E27FC236}">
-                <a16:creationId xmlns="" xmlns:a16="http://schemas.microsoft.com/office/drawing/2014/main" id="{2A60302F-65DB-4E93-B6C3-49E64C44FB53}"/>
+                <a16:creationId xmlns:a16="http://schemas.microsoft.com/office/drawing/2014/main" xmlns="" id="{2A60302F-65DB-4E93-B6C3-49E64C44FB53}"/>
               </a:ext>
             </a:extLst>
           </p:cNvPr>
@@ -1800,7 +1800,7 @@
           <p:cNvPr id="7" name="Picture Placeholder 6">
             <a:extLst>
               <a:ext uri="{FF2B5EF4-FFF2-40B4-BE49-F238E27FC236}">
-                <a16:creationId xmlns="" xmlns:a16="http://schemas.microsoft.com/office/drawing/2014/main" id="{9A66F217-0E52-4AD8-82BA-AB332C59638C}"/>
+                <a16:creationId xmlns:a16="http://schemas.microsoft.com/office/drawing/2014/main" xmlns="" id="{9A66F217-0E52-4AD8-82BA-AB332C59638C}"/>
               </a:ext>
             </a:extLst>
           </p:cNvPr>
@@ -1889,7 +1889,7 @@
           <p:cNvPr id="8" name="Picture Placeholder 7">
             <a:extLst>
               <a:ext uri="{FF2B5EF4-FFF2-40B4-BE49-F238E27FC236}">
-                <a16:creationId xmlns="" xmlns:a16="http://schemas.microsoft.com/office/drawing/2014/main" id="{DF9C7667-EADA-40AC-B931-4642E0A9A4DE}"/>
+                <a16:creationId xmlns:a16="http://schemas.microsoft.com/office/drawing/2014/main" xmlns="" id="{DF9C7667-EADA-40AC-B931-4642E0A9A4DE}"/>
               </a:ext>
             </a:extLst>
           </p:cNvPr>
@@ -1941,7 +1941,7 @@
           <p:cNvPr id="2" name="Title 1">
             <a:extLst>
               <a:ext uri="{FF2B5EF4-FFF2-40B4-BE49-F238E27FC236}">
-                <a16:creationId xmlns="" xmlns:a16="http://schemas.microsoft.com/office/drawing/2014/main" id="{43379CA9-81D6-424A-8046-4B56E1D25059}"/>
+                <a16:creationId xmlns:a16="http://schemas.microsoft.com/office/drawing/2014/main" xmlns="" id="{43379CA9-81D6-424A-8046-4B56E1D25059}"/>
               </a:ext>
             </a:extLst>
           </p:cNvPr>
@@ -1978,7 +1978,7 @@
           <p:cNvPr id="10" name="Text Placeholder 9">
             <a:extLst>
               <a:ext uri="{FF2B5EF4-FFF2-40B4-BE49-F238E27FC236}">
-                <a16:creationId xmlns="" xmlns:a16="http://schemas.microsoft.com/office/drawing/2014/main" id="{2A60302F-65DB-4E93-B6C3-49E64C44FB53}"/>
+                <a16:creationId xmlns:a16="http://schemas.microsoft.com/office/drawing/2014/main" xmlns="" id="{2A60302F-65DB-4E93-B6C3-49E64C44FB53}"/>
               </a:ext>
             </a:extLst>
           </p:cNvPr>
@@ -2046,7 +2046,7 @@
           <p:cNvPr id="7" name="Text Placeholder 6">
             <a:extLst>
               <a:ext uri="{FF2B5EF4-FFF2-40B4-BE49-F238E27FC236}">
-                <a16:creationId xmlns="" xmlns:a16="http://schemas.microsoft.com/office/drawing/2014/main" id="{EC1CB8E8-F58A-4B26-B8AA-8977FC608E83}"/>
+                <a16:creationId xmlns:a16="http://schemas.microsoft.com/office/drawing/2014/main" xmlns="" id="{EC1CB8E8-F58A-4B26-B8AA-8977FC608E83}"/>
               </a:ext>
             </a:extLst>
           </p:cNvPr>
@@ -2164,7 +2164,7 @@
           <p:cNvPr id="2" name="Title 1">
             <a:extLst>
               <a:ext uri="{FF2B5EF4-FFF2-40B4-BE49-F238E27FC236}">
-                <a16:creationId xmlns="" xmlns:a16="http://schemas.microsoft.com/office/drawing/2014/main" id="{43379CA9-81D6-424A-8046-4B56E1D25059}"/>
+                <a16:creationId xmlns:a16="http://schemas.microsoft.com/office/drawing/2014/main" xmlns="" id="{43379CA9-81D6-424A-8046-4B56E1D25059}"/>
               </a:ext>
             </a:extLst>
           </p:cNvPr>
@@ -2206,7 +2206,7 @@
           <p:cNvPr id="9" name="Picture Placeholder 8">
             <a:extLst>
               <a:ext uri="{FF2B5EF4-FFF2-40B4-BE49-F238E27FC236}">
-                <a16:creationId xmlns="" xmlns:a16="http://schemas.microsoft.com/office/drawing/2014/main" id="{B2F51F73-5064-47F8-83FD-440E0ED1950B}"/>
+                <a16:creationId xmlns:a16="http://schemas.microsoft.com/office/drawing/2014/main" xmlns="" id="{B2F51F73-5064-47F8-83FD-440E0ED1950B}"/>
               </a:ext>
             </a:extLst>
           </p:cNvPr>
@@ -2247,7 +2247,7 @@
           <p:cNvPr id="18" name="Picture Placeholder 8">
             <a:extLst>
               <a:ext uri="{FF2B5EF4-FFF2-40B4-BE49-F238E27FC236}">
-                <a16:creationId xmlns="" xmlns:a16="http://schemas.microsoft.com/office/drawing/2014/main" id="{06FF689A-8221-42E8-96D4-ED4D3AD501F8}"/>
+                <a16:creationId xmlns:a16="http://schemas.microsoft.com/office/drawing/2014/main" xmlns="" id="{06FF689A-8221-42E8-96D4-ED4D3AD501F8}"/>
               </a:ext>
             </a:extLst>
           </p:cNvPr>
@@ -2288,7 +2288,7 @@
           <p:cNvPr id="19" name="Picture Placeholder 8">
             <a:extLst>
               <a:ext uri="{FF2B5EF4-FFF2-40B4-BE49-F238E27FC236}">
-                <a16:creationId xmlns="" xmlns:a16="http://schemas.microsoft.com/office/drawing/2014/main" id="{96424DB2-4D46-493F-A5B8-8901EDA394F2}"/>
+                <a16:creationId xmlns:a16="http://schemas.microsoft.com/office/drawing/2014/main" xmlns="" id="{96424DB2-4D46-493F-A5B8-8901EDA394F2}"/>
               </a:ext>
             </a:extLst>
           </p:cNvPr>
@@ -2329,7 +2329,7 @@
           <p:cNvPr id="20" name="Picture Placeholder 8">
             <a:extLst>
               <a:ext uri="{FF2B5EF4-FFF2-40B4-BE49-F238E27FC236}">
-                <a16:creationId xmlns="" xmlns:a16="http://schemas.microsoft.com/office/drawing/2014/main" id="{0AF2B6E1-5738-41B1-8C15-EA6715490140}"/>
+                <a16:creationId xmlns:a16="http://schemas.microsoft.com/office/drawing/2014/main" xmlns="" id="{0AF2B6E1-5738-41B1-8C15-EA6715490140}"/>
               </a:ext>
             </a:extLst>
           </p:cNvPr>
@@ -2370,7 +2370,7 @@
           <p:cNvPr id="21" name="Picture Placeholder 8">
             <a:extLst>
               <a:ext uri="{FF2B5EF4-FFF2-40B4-BE49-F238E27FC236}">
-                <a16:creationId xmlns="" xmlns:a16="http://schemas.microsoft.com/office/drawing/2014/main" id="{6C8D73EB-347C-4E13-94C8-FA8FADE46559}"/>
+                <a16:creationId xmlns:a16="http://schemas.microsoft.com/office/drawing/2014/main" xmlns="" id="{6C8D73EB-347C-4E13-94C8-FA8FADE46559}"/>
               </a:ext>
             </a:extLst>
           </p:cNvPr>
@@ -2411,7 +2411,7 @@
           <p:cNvPr id="22" name="Picture Placeholder 8">
             <a:extLst>
               <a:ext uri="{FF2B5EF4-FFF2-40B4-BE49-F238E27FC236}">
-                <a16:creationId xmlns="" xmlns:a16="http://schemas.microsoft.com/office/drawing/2014/main" id="{9DFA5C56-9B47-4F87-8E12-30A936274F1B}"/>
+                <a16:creationId xmlns:a16="http://schemas.microsoft.com/office/drawing/2014/main" xmlns="" id="{9DFA5C56-9B47-4F87-8E12-30A936274F1B}"/>
               </a:ext>
             </a:extLst>
           </p:cNvPr>
@@ -2452,7 +2452,7 @@
           <p:cNvPr id="23" name="Picture Placeholder 8">
             <a:extLst>
               <a:ext uri="{FF2B5EF4-FFF2-40B4-BE49-F238E27FC236}">
-                <a16:creationId xmlns="" xmlns:a16="http://schemas.microsoft.com/office/drawing/2014/main" id="{1E3B5888-98ED-48E4-8AA8-5BAB43F8516C}"/>
+                <a16:creationId xmlns:a16="http://schemas.microsoft.com/office/drawing/2014/main" xmlns="" id="{1E3B5888-98ED-48E4-8AA8-5BAB43F8516C}"/>
               </a:ext>
             </a:extLst>
           </p:cNvPr>
@@ -2493,7 +2493,7 @@
           <p:cNvPr id="24" name="Picture Placeholder 8">
             <a:extLst>
               <a:ext uri="{FF2B5EF4-FFF2-40B4-BE49-F238E27FC236}">
-                <a16:creationId xmlns="" xmlns:a16="http://schemas.microsoft.com/office/drawing/2014/main" id="{569C9EE3-34D1-4DE0-B06C-2F6212F7C329}"/>
+                <a16:creationId xmlns:a16="http://schemas.microsoft.com/office/drawing/2014/main" xmlns="" id="{569C9EE3-34D1-4DE0-B06C-2F6212F7C329}"/>
               </a:ext>
             </a:extLst>
           </p:cNvPr>
@@ -2564,7 +2564,7 @@
           <p:cNvPr id="11" name="Rectangle 10">
             <a:extLst>
               <a:ext uri="{FF2B5EF4-FFF2-40B4-BE49-F238E27FC236}">
-                <a16:creationId xmlns="" xmlns:a16="http://schemas.microsoft.com/office/drawing/2014/main" id="{50869985-B973-4011-9FA2-83D7EBB2EA53}"/>
+                <a16:creationId xmlns:a16="http://schemas.microsoft.com/office/drawing/2014/main" xmlns="" id="{50869985-B973-4011-9FA2-83D7EBB2EA53}"/>
               </a:ext>
             </a:extLst>
           </p:cNvPr>
@@ -2616,7 +2616,7 @@
           <p:cNvPr id="2" name="Title 1">
             <a:extLst>
               <a:ext uri="{FF2B5EF4-FFF2-40B4-BE49-F238E27FC236}">
-                <a16:creationId xmlns="" xmlns:a16="http://schemas.microsoft.com/office/drawing/2014/main" id="{43379CA9-81D6-424A-8046-4B56E1D25059}"/>
+                <a16:creationId xmlns:a16="http://schemas.microsoft.com/office/drawing/2014/main" xmlns="" id="{43379CA9-81D6-424A-8046-4B56E1D25059}"/>
               </a:ext>
             </a:extLst>
           </p:cNvPr>
@@ -2658,7 +2658,7 @@
           <p:cNvPr id="10" name="Text Placeholder 9">
             <a:extLst>
               <a:ext uri="{FF2B5EF4-FFF2-40B4-BE49-F238E27FC236}">
-                <a16:creationId xmlns="" xmlns:a16="http://schemas.microsoft.com/office/drawing/2014/main" id="{2A60302F-65DB-4E93-B6C3-49E64C44FB53}"/>
+                <a16:creationId xmlns:a16="http://schemas.microsoft.com/office/drawing/2014/main" xmlns="" id="{2A60302F-65DB-4E93-B6C3-49E64C44FB53}"/>
               </a:ext>
             </a:extLst>
           </p:cNvPr>
@@ -2726,7 +2726,7 @@
           <p:cNvPr id="7" name="Picture Placeholder 6">
             <a:extLst>
               <a:ext uri="{FF2B5EF4-FFF2-40B4-BE49-F238E27FC236}">
-                <a16:creationId xmlns="" xmlns:a16="http://schemas.microsoft.com/office/drawing/2014/main" id="{9A66F217-0E52-4AD8-82BA-AB332C59638C}"/>
+                <a16:creationId xmlns:a16="http://schemas.microsoft.com/office/drawing/2014/main" xmlns="" id="{9A66F217-0E52-4AD8-82BA-AB332C59638C}"/>
               </a:ext>
             </a:extLst>
           </p:cNvPr>
@@ -2772,7 +2772,7 @@
           <p:cNvPr id="8" name="Rectangle 7">
             <a:extLst>
               <a:ext uri="{FF2B5EF4-FFF2-40B4-BE49-F238E27FC236}">
-                <a16:creationId xmlns="" xmlns:a16="http://schemas.microsoft.com/office/drawing/2014/main" id="{E75D44F0-DADD-4DCC-82EC-FDB3E9878AA9}"/>
+                <a16:creationId xmlns:a16="http://schemas.microsoft.com/office/drawing/2014/main" xmlns="" id="{E75D44F0-DADD-4DCC-82EC-FDB3E9878AA9}"/>
               </a:ext>
             </a:extLst>
           </p:cNvPr>
@@ -2824,7 +2824,7 @@
           <p:cNvPr id="9" name="Rectangle 8">
             <a:extLst>
               <a:ext uri="{FF2B5EF4-FFF2-40B4-BE49-F238E27FC236}">
-                <a16:creationId xmlns="" xmlns:a16="http://schemas.microsoft.com/office/drawing/2014/main" id="{28CFE2C9-8B6E-4DDA-A5EA-04581F7629F0}"/>
+                <a16:creationId xmlns:a16="http://schemas.microsoft.com/office/drawing/2014/main" xmlns="" id="{28CFE2C9-8B6E-4DDA-A5EA-04581F7629F0}"/>
               </a:ext>
             </a:extLst>
           </p:cNvPr>
@@ -2963,7 +2963,7 @@
           <p:cNvPr id="12" name="Title 1">
             <a:extLst>
               <a:ext uri="{FF2B5EF4-FFF2-40B4-BE49-F238E27FC236}">
-                <a16:creationId xmlns="" xmlns:a16="http://schemas.microsoft.com/office/drawing/2014/main" id="{96FEDCD9-19A7-423B-ABE0-DDD032DE8879}"/>
+                <a16:creationId xmlns:a16="http://schemas.microsoft.com/office/drawing/2014/main" xmlns="" id="{96FEDCD9-19A7-423B-ABE0-DDD032DE8879}"/>
               </a:ext>
             </a:extLst>
           </p:cNvPr>
@@ -3004,7 +3004,7 @@
           <p:cNvPr id="14" name="Text Placeholder 9">
             <a:extLst>
               <a:ext uri="{FF2B5EF4-FFF2-40B4-BE49-F238E27FC236}">
-                <a16:creationId xmlns="" xmlns:a16="http://schemas.microsoft.com/office/drawing/2014/main" id="{EBD7372B-17B4-4062-8BFA-745581B27349}"/>
+                <a16:creationId xmlns:a16="http://schemas.microsoft.com/office/drawing/2014/main" xmlns="" id="{EBD7372B-17B4-4062-8BFA-745581B27349}"/>
               </a:ext>
             </a:extLst>
           </p:cNvPr>
@@ -3069,7 +3069,7 @@
           <p:cNvPr id="3" name="Picture Placeholder 2">
             <a:extLst>
               <a:ext uri="{FF2B5EF4-FFF2-40B4-BE49-F238E27FC236}">
-                <a16:creationId xmlns="" xmlns:a16="http://schemas.microsoft.com/office/drawing/2014/main" id="{C09A28F9-9D68-48A2-A1AD-C1C318C0EC8D}"/>
+                <a16:creationId xmlns:a16="http://schemas.microsoft.com/office/drawing/2014/main" xmlns="" id="{C09A28F9-9D68-48A2-A1AD-C1C318C0EC8D}"/>
               </a:ext>
             </a:extLst>
           </p:cNvPr>
@@ -3271,7 +3271,7 @@
           <a:p>
             <a:fld id="{920EA5D6-08AC-453D-9206-1039A5DDD965}" type="datetimeFigureOut">
               <a:rPr lang="en-US" smtClean="0"/>
-              <a:t>1/29/2022</a:t>
+              <a:t>1/30/2022</a:t>
             </a:fld>
             <a:endParaRPr lang="en-US"/>
           </a:p>
@@ -3449,7 +3449,7 @@
           <a:p>
             <a:fld id="{920EA5D6-08AC-453D-9206-1039A5DDD965}" type="datetimeFigureOut">
               <a:rPr lang="en-US" smtClean="0"/>
-              <a:t>1/29/2022</a:t>
+              <a:t>1/30/2022</a:t>
             </a:fld>
             <a:endParaRPr lang="en-US"/>
           </a:p>
@@ -3532,7 +3532,7 @@
           <p:cNvPr id="2" name="Title 1">
             <a:extLst>
               <a:ext uri="{FF2B5EF4-FFF2-40B4-BE49-F238E27FC236}">
-                <a16:creationId xmlns="" xmlns:a16="http://schemas.microsoft.com/office/drawing/2014/main" id="{43379CA9-81D6-424A-8046-4B56E1D25059}"/>
+                <a16:creationId xmlns:a16="http://schemas.microsoft.com/office/drawing/2014/main" xmlns="" id="{43379CA9-81D6-424A-8046-4B56E1D25059}"/>
               </a:ext>
             </a:extLst>
           </p:cNvPr>
@@ -3574,7 +3574,7 @@
           <p:cNvPr id="9" name="Picture Placeholder 8">
             <a:extLst>
               <a:ext uri="{FF2B5EF4-FFF2-40B4-BE49-F238E27FC236}">
-                <a16:creationId xmlns="" xmlns:a16="http://schemas.microsoft.com/office/drawing/2014/main" id="{B2F51F73-5064-47F8-83FD-440E0ED1950B}"/>
+                <a16:creationId xmlns:a16="http://schemas.microsoft.com/office/drawing/2014/main" xmlns="" id="{B2F51F73-5064-47F8-83FD-440E0ED1950B}"/>
               </a:ext>
             </a:extLst>
           </p:cNvPr>
@@ -3615,7 +3615,7 @@
           <p:cNvPr id="18" name="Picture Placeholder 8">
             <a:extLst>
               <a:ext uri="{FF2B5EF4-FFF2-40B4-BE49-F238E27FC236}">
-                <a16:creationId xmlns="" xmlns:a16="http://schemas.microsoft.com/office/drawing/2014/main" id="{06FF689A-8221-42E8-96D4-ED4D3AD501F8}"/>
+                <a16:creationId xmlns:a16="http://schemas.microsoft.com/office/drawing/2014/main" xmlns="" id="{06FF689A-8221-42E8-96D4-ED4D3AD501F8}"/>
               </a:ext>
             </a:extLst>
           </p:cNvPr>
@@ -3656,7 +3656,7 @@
           <p:cNvPr id="19" name="Picture Placeholder 8">
             <a:extLst>
               <a:ext uri="{FF2B5EF4-FFF2-40B4-BE49-F238E27FC236}">
-                <a16:creationId xmlns="" xmlns:a16="http://schemas.microsoft.com/office/drawing/2014/main" id="{96424DB2-4D46-493F-A5B8-8901EDA394F2}"/>
+                <a16:creationId xmlns:a16="http://schemas.microsoft.com/office/drawing/2014/main" xmlns="" id="{96424DB2-4D46-493F-A5B8-8901EDA394F2}"/>
               </a:ext>
             </a:extLst>
           </p:cNvPr>
@@ -3697,7 +3697,7 @@
           <p:cNvPr id="20" name="Picture Placeholder 8">
             <a:extLst>
               <a:ext uri="{FF2B5EF4-FFF2-40B4-BE49-F238E27FC236}">
-                <a16:creationId xmlns="" xmlns:a16="http://schemas.microsoft.com/office/drawing/2014/main" id="{0AF2B6E1-5738-41B1-8C15-EA6715490140}"/>
+                <a16:creationId xmlns:a16="http://schemas.microsoft.com/office/drawing/2014/main" xmlns="" id="{0AF2B6E1-5738-41B1-8C15-EA6715490140}"/>
               </a:ext>
             </a:extLst>
           </p:cNvPr>
@@ -3738,7 +3738,7 @@
           <p:cNvPr id="21" name="Picture Placeholder 8">
             <a:extLst>
               <a:ext uri="{FF2B5EF4-FFF2-40B4-BE49-F238E27FC236}">
-                <a16:creationId xmlns="" xmlns:a16="http://schemas.microsoft.com/office/drawing/2014/main" id="{6C8D73EB-347C-4E13-94C8-FA8FADE46559}"/>
+                <a16:creationId xmlns:a16="http://schemas.microsoft.com/office/drawing/2014/main" xmlns="" id="{6C8D73EB-347C-4E13-94C8-FA8FADE46559}"/>
               </a:ext>
             </a:extLst>
           </p:cNvPr>
@@ -3779,7 +3779,7 @@
           <p:cNvPr id="22" name="Picture Placeholder 8">
             <a:extLst>
               <a:ext uri="{FF2B5EF4-FFF2-40B4-BE49-F238E27FC236}">
-                <a16:creationId xmlns="" xmlns:a16="http://schemas.microsoft.com/office/drawing/2014/main" id="{9DFA5C56-9B47-4F87-8E12-30A936274F1B}"/>
+                <a16:creationId xmlns:a16="http://schemas.microsoft.com/office/drawing/2014/main" xmlns="" id="{9DFA5C56-9B47-4F87-8E12-30A936274F1B}"/>
               </a:ext>
             </a:extLst>
           </p:cNvPr>
@@ -3820,7 +3820,7 @@
           <p:cNvPr id="23" name="Picture Placeholder 8">
             <a:extLst>
               <a:ext uri="{FF2B5EF4-FFF2-40B4-BE49-F238E27FC236}">
-                <a16:creationId xmlns="" xmlns:a16="http://schemas.microsoft.com/office/drawing/2014/main" id="{1E3B5888-98ED-48E4-8AA8-5BAB43F8516C}"/>
+                <a16:creationId xmlns:a16="http://schemas.microsoft.com/office/drawing/2014/main" xmlns="" id="{1E3B5888-98ED-48E4-8AA8-5BAB43F8516C}"/>
               </a:ext>
             </a:extLst>
           </p:cNvPr>
@@ -3861,7 +3861,7 @@
           <p:cNvPr id="24" name="Picture Placeholder 8">
             <a:extLst>
               <a:ext uri="{FF2B5EF4-FFF2-40B4-BE49-F238E27FC236}">
-                <a16:creationId xmlns="" xmlns:a16="http://schemas.microsoft.com/office/drawing/2014/main" id="{569C9EE3-34D1-4DE0-B06C-2F6212F7C329}"/>
+                <a16:creationId xmlns:a16="http://schemas.microsoft.com/office/drawing/2014/main" xmlns="" id="{569C9EE3-34D1-4DE0-B06C-2F6212F7C329}"/>
               </a:ext>
             </a:extLst>
           </p:cNvPr>
@@ -3932,7 +3932,7 @@
           <p:cNvPr id="8" name="Rectangle 7">
             <a:extLst>
               <a:ext uri="{FF2B5EF4-FFF2-40B4-BE49-F238E27FC236}">
-                <a16:creationId xmlns="" xmlns:a16="http://schemas.microsoft.com/office/drawing/2014/main" id="{C186ECD6-DF3C-4CA6-9A77-ED32AC37F81F}"/>
+                <a16:creationId xmlns:a16="http://schemas.microsoft.com/office/drawing/2014/main" xmlns="" id="{C186ECD6-DF3C-4CA6-9A77-ED32AC37F81F}"/>
               </a:ext>
             </a:extLst>
           </p:cNvPr>
@@ -3984,7 +3984,7 @@
           <p:cNvPr id="9" name="Rectangle 8">
             <a:extLst>
               <a:ext uri="{FF2B5EF4-FFF2-40B4-BE49-F238E27FC236}">
-                <a16:creationId xmlns="" xmlns:a16="http://schemas.microsoft.com/office/drawing/2014/main" id="{8D3F081E-4462-4B33-A41E-0432A3B439D9}"/>
+                <a16:creationId xmlns:a16="http://schemas.microsoft.com/office/drawing/2014/main" xmlns="" id="{8D3F081E-4462-4B33-A41E-0432A3B439D9}"/>
               </a:ext>
             </a:extLst>
           </p:cNvPr>
@@ -4036,7 +4036,7 @@
           <p:cNvPr id="11" name="Rectangle 10">
             <a:extLst>
               <a:ext uri="{FF2B5EF4-FFF2-40B4-BE49-F238E27FC236}">
-                <a16:creationId xmlns="" xmlns:a16="http://schemas.microsoft.com/office/drawing/2014/main" id="{C05FA2D1-6BF4-4194-B815-8C66D013FD27}"/>
+                <a16:creationId xmlns:a16="http://schemas.microsoft.com/office/drawing/2014/main" xmlns="" id="{C05FA2D1-6BF4-4194-B815-8C66D013FD27}"/>
               </a:ext>
             </a:extLst>
           </p:cNvPr>
@@ -4088,7 +4088,7 @@
           <p:cNvPr id="12" name="Rectangle 11">
             <a:extLst>
               <a:ext uri="{FF2B5EF4-FFF2-40B4-BE49-F238E27FC236}">
-                <a16:creationId xmlns="" xmlns:a16="http://schemas.microsoft.com/office/drawing/2014/main" id="{DC88F0DF-BC0B-473C-82DC-7FC46D38FAC1}"/>
+                <a16:creationId xmlns:a16="http://schemas.microsoft.com/office/drawing/2014/main" xmlns="" id="{DC88F0DF-BC0B-473C-82DC-7FC46D38FAC1}"/>
               </a:ext>
             </a:extLst>
           </p:cNvPr>
@@ -4140,7 +4140,7 @@
           <p:cNvPr id="10" name="Text Placeholder 9">
             <a:extLst>
               <a:ext uri="{FF2B5EF4-FFF2-40B4-BE49-F238E27FC236}">
-                <a16:creationId xmlns="" xmlns:a16="http://schemas.microsoft.com/office/drawing/2014/main" id="{2A60302F-65DB-4E93-B6C3-49E64C44FB53}"/>
+                <a16:creationId xmlns:a16="http://schemas.microsoft.com/office/drawing/2014/main" xmlns="" id="{2A60302F-65DB-4E93-B6C3-49E64C44FB53}"/>
               </a:ext>
             </a:extLst>
           </p:cNvPr>
@@ -4208,7 +4208,7 @@
           <p:cNvPr id="7" name="Picture Placeholder 6">
             <a:extLst>
               <a:ext uri="{FF2B5EF4-FFF2-40B4-BE49-F238E27FC236}">
-                <a16:creationId xmlns="" xmlns:a16="http://schemas.microsoft.com/office/drawing/2014/main" id="{9A66F217-0E52-4AD8-82BA-AB332C59638C}"/>
+                <a16:creationId xmlns:a16="http://schemas.microsoft.com/office/drawing/2014/main" xmlns="" id="{9A66F217-0E52-4AD8-82BA-AB332C59638C}"/>
               </a:ext>
             </a:extLst>
           </p:cNvPr>
@@ -4254,7 +4254,7 @@
           <p:cNvPr id="13" name="Rectangle 12">
             <a:extLst>
               <a:ext uri="{FF2B5EF4-FFF2-40B4-BE49-F238E27FC236}">
-                <a16:creationId xmlns="" xmlns:a16="http://schemas.microsoft.com/office/drawing/2014/main" id="{FDF3E524-6AEB-4529-804C-0B9CD9992050}"/>
+                <a16:creationId xmlns:a16="http://schemas.microsoft.com/office/drawing/2014/main" xmlns="" id="{FDF3E524-6AEB-4529-804C-0B9CD9992050}"/>
               </a:ext>
             </a:extLst>
           </p:cNvPr>
@@ -4306,7 +4306,7 @@
           <p:cNvPr id="14" name="Straight Connector 13">
             <a:extLst>
               <a:ext uri="{FF2B5EF4-FFF2-40B4-BE49-F238E27FC236}">
-                <a16:creationId xmlns="" xmlns:a16="http://schemas.microsoft.com/office/drawing/2014/main" id="{4CFF2CAC-AD21-48FA-AD68-A643AAA6A8C4}"/>
+                <a16:creationId xmlns:a16="http://schemas.microsoft.com/office/drawing/2014/main" xmlns="" id="{4CFF2CAC-AD21-48FA-AD68-A643AAA6A8C4}"/>
               </a:ext>
             </a:extLst>
           </p:cNvPr>
@@ -4349,7 +4349,7 @@
           <p:cNvPr id="2" name="Title 1">
             <a:extLst>
               <a:ext uri="{FF2B5EF4-FFF2-40B4-BE49-F238E27FC236}">
-                <a16:creationId xmlns="" xmlns:a16="http://schemas.microsoft.com/office/drawing/2014/main" id="{43379CA9-81D6-424A-8046-4B56E1D25059}"/>
+                <a16:creationId xmlns:a16="http://schemas.microsoft.com/office/drawing/2014/main" xmlns="" id="{43379CA9-81D6-424A-8046-4B56E1D25059}"/>
               </a:ext>
             </a:extLst>
           </p:cNvPr>
@@ -4470,7 +4470,7 @@
           <p:cNvPr id="2" name="Title Placeholder 1">
             <a:extLst>
               <a:ext uri="{FF2B5EF4-FFF2-40B4-BE49-F238E27FC236}">
-                <a16:creationId xmlns="" xmlns:a16="http://schemas.microsoft.com/office/drawing/2014/main" id="{2C80DF88-AC53-41A3-8067-D7E6D5DB195F}"/>
+                <a16:creationId xmlns:a16="http://schemas.microsoft.com/office/drawing/2014/main" xmlns="" id="{2C80DF88-AC53-41A3-8067-D7E6D5DB195F}"/>
               </a:ext>
             </a:extLst>
           </p:cNvPr>
@@ -4509,7 +4509,7 @@
           <p:cNvPr id="4" name="Date Placeholder 3">
             <a:extLst>
               <a:ext uri="{FF2B5EF4-FFF2-40B4-BE49-F238E27FC236}">
-                <a16:creationId xmlns="" xmlns:a16="http://schemas.microsoft.com/office/drawing/2014/main" id="{EA4755C1-18CC-4FD3-A030-3DAF469919A6}"/>
+                <a16:creationId xmlns:a16="http://schemas.microsoft.com/office/drawing/2014/main" xmlns="" id="{EA4755C1-18CC-4FD3-A030-3DAF469919A6}"/>
               </a:ext>
             </a:extLst>
           </p:cNvPr>
@@ -4545,7 +4545,7 @@
           <a:p>
             <a:fld id="{920EA5D6-08AC-453D-9206-1039A5DDD965}" type="datetimeFigureOut">
               <a:rPr lang="en-US" smtClean="0"/>
-              <a:t>1/29/2022</a:t>
+              <a:t>1/30/2022</a:t>
             </a:fld>
             <a:endParaRPr lang="en-US"/>
           </a:p>
@@ -4556,7 +4556,7 @@
           <p:cNvPr id="5" name="Footer Placeholder 4">
             <a:extLst>
               <a:ext uri="{FF2B5EF4-FFF2-40B4-BE49-F238E27FC236}">
-                <a16:creationId xmlns="" xmlns:a16="http://schemas.microsoft.com/office/drawing/2014/main" id="{A8E029F1-B791-445F-A184-90CC7A1BEC19}"/>
+                <a16:creationId xmlns:a16="http://schemas.microsoft.com/office/drawing/2014/main" xmlns="" id="{A8E029F1-B791-445F-A184-90CC7A1BEC19}"/>
               </a:ext>
             </a:extLst>
           </p:cNvPr>
@@ -4599,7 +4599,7 @@
           <p:cNvPr id="6" name="Slide Number Placeholder 5">
             <a:extLst>
               <a:ext uri="{FF2B5EF4-FFF2-40B4-BE49-F238E27FC236}">
-                <a16:creationId xmlns="" xmlns:a16="http://schemas.microsoft.com/office/drawing/2014/main" id="{5AD98767-7C9E-42DE-9782-D932A0FF1BF4}"/>
+                <a16:creationId xmlns:a16="http://schemas.microsoft.com/office/drawing/2014/main" xmlns="" id="{5AD98767-7C9E-42DE-9782-D932A0FF1BF4}"/>
               </a:ext>
             </a:extLst>
           </p:cNvPr>
@@ -5034,7 +5034,7 @@
           <p:cNvPr id="2" name="Title Placeholder 1">
             <a:extLst>
               <a:ext uri="{FF2B5EF4-FFF2-40B4-BE49-F238E27FC236}">
-                <a16:creationId xmlns="" xmlns:a16="http://schemas.microsoft.com/office/drawing/2014/main" id="{2C80DF88-AC53-41A3-8067-D7E6D5DB195F}"/>
+                <a16:creationId xmlns:a16="http://schemas.microsoft.com/office/drawing/2014/main" xmlns="" id="{2C80DF88-AC53-41A3-8067-D7E6D5DB195F}"/>
               </a:ext>
             </a:extLst>
           </p:cNvPr>
@@ -5073,7 +5073,7 @@
           <p:cNvPr id="4" name="Date Placeholder 3">
             <a:extLst>
               <a:ext uri="{FF2B5EF4-FFF2-40B4-BE49-F238E27FC236}">
-                <a16:creationId xmlns="" xmlns:a16="http://schemas.microsoft.com/office/drawing/2014/main" id="{EA4755C1-18CC-4FD3-A030-3DAF469919A6}"/>
+                <a16:creationId xmlns:a16="http://schemas.microsoft.com/office/drawing/2014/main" xmlns="" id="{EA4755C1-18CC-4FD3-A030-3DAF469919A6}"/>
               </a:ext>
             </a:extLst>
           </p:cNvPr>
@@ -5109,7 +5109,7 @@
           <a:p>
             <a:fld id="{8F310904-DE8F-4B8E-99C6-5AFA03672FFA}" type="datetimeFigureOut">
               <a:rPr lang="en-US" smtClean="0"/>
-              <a:t>1/29/2022</a:t>
+              <a:t>1/30/2022</a:t>
             </a:fld>
             <a:endParaRPr lang="en-US" dirty="0"/>
           </a:p>
@@ -5120,7 +5120,7 @@
           <p:cNvPr id="5" name="Footer Placeholder 4">
             <a:extLst>
               <a:ext uri="{FF2B5EF4-FFF2-40B4-BE49-F238E27FC236}">
-                <a16:creationId xmlns="" xmlns:a16="http://schemas.microsoft.com/office/drawing/2014/main" id="{A8E029F1-B791-445F-A184-90CC7A1BEC19}"/>
+                <a16:creationId xmlns:a16="http://schemas.microsoft.com/office/drawing/2014/main" xmlns="" id="{A8E029F1-B791-445F-A184-90CC7A1BEC19}"/>
               </a:ext>
             </a:extLst>
           </p:cNvPr>
@@ -5163,7 +5163,7 @@
           <p:cNvPr id="6" name="Slide Number Placeholder 5">
             <a:extLst>
               <a:ext uri="{FF2B5EF4-FFF2-40B4-BE49-F238E27FC236}">
-                <a16:creationId xmlns="" xmlns:a16="http://schemas.microsoft.com/office/drawing/2014/main" id="{5AD98767-7C9E-42DE-9782-D932A0FF1BF4}"/>
+                <a16:creationId xmlns:a16="http://schemas.microsoft.com/office/drawing/2014/main" xmlns="" id="{5AD98767-7C9E-42DE-9782-D932A0FF1BF4}"/>
               </a:ext>
             </a:extLst>
           </p:cNvPr>
@@ -5593,7 +5593,7 @@
           <p:cNvPr id="2" name="Title Placeholder 1">
             <a:extLst>
               <a:ext uri="{FF2B5EF4-FFF2-40B4-BE49-F238E27FC236}">
-                <a16:creationId xmlns="" xmlns:a16="http://schemas.microsoft.com/office/drawing/2014/main" id="{2C80DF88-AC53-41A3-8067-D7E6D5DB195F}"/>
+                <a16:creationId xmlns:a16="http://schemas.microsoft.com/office/drawing/2014/main" xmlns="" id="{2C80DF88-AC53-41A3-8067-D7E6D5DB195F}"/>
               </a:ext>
             </a:extLst>
           </p:cNvPr>
@@ -5632,7 +5632,7 @@
           <p:cNvPr id="4" name="Date Placeholder 3">
             <a:extLst>
               <a:ext uri="{FF2B5EF4-FFF2-40B4-BE49-F238E27FC236}">
-                <a16:creationId xmlns="" xmlns:a16="http://schemas.microsoft.com/office/drawing/2014/main" id="{EA4755C1-18CC-4FD3-A030-3DAF469919A6}"/>
+                <a16:creationId xmlns:a16="http://schemas.microsoft.com/office/drawing/2014/main" xmlns="" id="{EA4755C1-18CC-4FD3-A030-3DAF469919A6}"/>
               </a:ext>
             </a:extLst>
           </p:cNvPr>
@@ -5668,7 +5668,7 @@
           <a:p>
             <a:fld id="{8F310904-DE8F-4B8E-99C6-5AFA03672FFA}" type="datetimeFigureOut">
               <a:rPr lang="en-US" smtClean="0"/>
-              <a:t>1/29/2022</a:t>
+              <a:t>1/30/2022</a:t>
             </a:fld>
             <a:endParaRPr lang="en-US" dirty="0"/>
           </a:p>
@@ -5679,7 +5679,7 @@
           <p:cNvPr id="5" name="Footer Placeholder 4">
             <a:extLst>
               <a:ext uri="{FF2B5EF4-FFF2-40B4-BE49-F238E27FC236}">
-                <a16:creationId xmlns="" xmlns:a16="http://schemas.microsoft.com/office/drawing/2014/main" id="{A8E029F1-B791-445F-A184-90CC7A1BEC19}"/>
+                <a16:creationId xmlns:a16="http://schemas.microsoft.com/office/drawing/2014/main" xmlns="" id="{A8E029F1-B791-445F-A184-90CC7A1BEC19}"/>
               </a:ext>
             </a:extLst>
           </p:cNvPr>
@@ -5722,7 +5722,7 @@
           <p:cNvPr id="6" name="Slide Number Placeholder 5">
             <a:extLst>
               <a:ext uri="{FF2B5EF4-FFF2-40B4-BE49-F238E27FC236}">
-                <a16:creationId xmlns="" xmlns:a16="http://schemas.microsoft.com/office/drawing/2014/main" id="{5AD98767-7C9E-42DE-9782-D932A0FF1BF4}"/>
+                <a16:creationId xmlns:a16="http://schemas.microsoft.com/office/drawing/2014/main" xmlns="" id="{5AD98767-7C9E-42DE-9782-D932A0FF1BF4}"/>
               </a:ext>
             </a:extLst>
           </p:cNvPr>
@@ -6152,7 +6152,7 @@
           <p:cNvPr id="2" name="Title Placeholder 1">
             <a:extLst>
               <a:ext uri="{FF2B5EF4-FFF2-40B4-BE49-F238E27FC236}">
-                <a16:creationId xmlns="" xmlns:a16="http://schemas.microsoft.com/office/drawing/2014/main" id="{2C80DF88-AC53-41A3-8067-D7E6D5DB195F}"/>
+                <a16:creationId xmlns:a16="http://schemas.microsoft.com/office/drawing/2014/main" xmlns="" id="{2C80DF88-AC53-41A3-8067-D7E6D5DB195F}"/>
               </a:ext>
             </a:extLst>
           </p:cNvPr>
@@ -6191,7 +6191,7 @@
           <p:cNvPr id="4" name="Date Placeholder 3">
             <a:extLst>
               <a:ext uri="{FF2B5EF4-FFF2-40B4-BE49-F238E27FC236}">
-                <a16:creationId xmlns="" xmlns:a16="http://schemas.microsoft.com/office/drawing/2014/main" id="{EA4755C1-18CC-4FD3-A030-3DAF469919A6}"/>
+                <a16:creationId xmlns:a16="http://schemas.microsoft.com/office/drawing/2014/main" xmlns="" id="{EA4755C1-18CC-4FD3-A030-3DAF469919A6}"/>
               </a:ext>
             </a:extLst>
           </p:cNvPr>
@@ -6227,7 +6227,7 @@
           <a:p>
             <a:fld id="{8F310904-DE8F-4B8E-99C6-5AFA03672FFA}" type="datetimeFigureOut">
               <a:rPr lang="en-US" smtClean="0"/>
-              <a:t>1/29/2022</a:t>
+              <a:t>1/30/2022</a:t>
             </a:fld>
             <a:endParaRPr lang="en-US" dirty="0"/>
           </a:p>
@@ -6238,7 +6238,7 @@
           <p:cNvPr id="5" name="Footer Placeholder 4">
             <a:extLst>
               <a:ext uri="{FF2B5EF4-FFF2-40B4-BE49-F238E27FC236}">
-                <a16:creationId xmlns="" xmlns:a16="http://schemas.microsoft.com/office/drawing/2014/main" id="{A8E029F1-B791-445F-A184-90CC7A1BEC19}"/>
+                <a16:creationId xmlns:a16="http://schemas.microsoft.com/office/drawing/2014/main" xmlns="" id="{A8E029F1-B791-445F-A184-90CC7A1BEC19}"/>
               </a:ext>
             </a:extLst>
           </p:cNvPr>
@@ -6281,7 +6281,7 @@
           <p:cNvPr id="6" name="Slide Number Placeholder 5">
             <a:extLst>
               <a:ext uri="{FF2B5EF4-FFF2-40B4-BE49-F238E27FC236}">
-                <a16:creationId xmlns="" xmlns:a16="http://schemas.microsoft.com/office/drawing/2014/main" id="{5AD98767-7C9E-42DE-9782-D932A0FF1BF4}"/>
+                <a16:creationId xmlns:a16="http://schemas.microsoft.com/office/drawing/2014/main" xmlns="" id="{5AD98767-7C9E-42DE-9782-D932A0FF1BF4}"/>
               </a:ext>
             </a:extLst>
           </p:cNvPr>
@@ -6799,11 +6799,7 @@
           <a:p>
             <a:r>
               <a:rPr lang="en-US" dirty="0" smtClean="0"/>
-              <a:t>In order to find trends</a:t>
-            </a:r>
-            <a:r>
-              <a:rPr lang="en-US" dirty="0" smtClean="0"/>
-              <a:t>, cycles and seasonality experiment with different time resampling (instead of having a data point each minute try hourly, daily, weekly,…)</a:t>
+              <a:t>In order to find trends, cycles and seasonality experiment with different time resampling (instead of having a data point each minute try hourly, daily, weekly,…)</a:t>
             </a:r>
           </a:p>
           <a:p>
@@ -6992,20 +6988,48 @@
           <a:p>
             <a:r>
               <a:rPr lang="en-US" dirty="0" smtClean="0"/>
-              <a:t>The data is structured as </a:t>
-            </a:r>
+              <a:t>The data is structured as a time series and ready is to be studied;</a:t>
+            </a:r>
+          </a:p>
+          <a:p>
+            <a:endParaRPr lang="en-US" dirty="0" smtClean="0"/>
+          </a:p>
+          <a:p>
             <a:r>
               <a:rPr lang="en-US" dirty="0" smtClean="0"/>
-              <a:t>a time series and ready is to be studied;</a:t>
-            </a:r>
-          </a:p>
-          <a:p>
-            <a:endParaRPr lang="en-US" dirty="0" smtClean="0"/>
-          </a:p>
-          <a:p>
+              <a:t>On our next task we will </a:t>
+            </a:r>
             <a:r>
               <a:rPr lang="en-US" dirty="0" smtClean="0"/>
-              <a:t>On our next task we will apply Machine Learning methodologies to accurately forecast future energy usage and to provide informative and useful insights regarding client’s power usage.</a:t>
+              <a:t>this dataset to apply </a:t>
+            </a:r>
+            <a:r>
+              <a:rPr lang="en-US" dirty="0" smtClean="0"/>
+              <a:t>Machine Learning methodologies to accurately </a:t>
+            </a:r>
+            <a:r>
+              <a:rPr lang="en-US" b="1" dirty="0" smtClean="0"/>
+              <a:t>forecast future energy usage </a:t>
+            </a:r>
+            <a:r>
+              <a:rPr lang="en-US" dirty="0" smtClean="0"/>
+              <a:t>and to </a:t>
+            </a:r>
+            <a:r>
+              <a:rPr lang="en-US" b="1" dirty="0" smtClean="0"/>
+              <a:t>provide informative and useful insights</a:t>
+            </a:r>
+            <a:r>
+              <a:rPr lang="en-US" dirty="0" smtClean="0"/>
+              <a:t> regarding client’s </a:t>
+            </a:r>
+            <a:r>
+              <a:rPr lang="en-US" b="1" dirty="0" smtClean="0"/>
+              <a:t>power usage</a:t>
+            </a:r>
+            <a:r>
+              <a:rPr lang="en-US" dirty="0" smtClean="0"/>
+              <a:t>.</a:t>
             </a:r>
             <a:endParaRPr lang="en-US" dirty="0"/>
           </a:p>
@@ -8560,11 +8584,7 @@
             <a:pPr algn="just"/>
             <a:r>
               <a:rPr lang="en-US" dirty="0" smtClean="0"/>
-              <a:t>As mentioned previously</a:t>
-            </a:r>
-            <a:r>
-              <a:rPr lang="en-US" dirty="0" smtClean="0"/>
-              <a:t>:</a:t>
+              <a:t>As mentioned previously:</a:t>
             </a:r>
           </a:p>
           <a:p>
@@ -8578,11 +8598,7 @@
             <a:pPr lvl="1" algn="just"/>
             <a:r>
               <a:rPr lang="en-US" dirty="0" smtClean="0"/>
-              <a:t>The d</a:t>
-            </a:r>
-            <a:r>
-              <a:rPr lang="en-US" dirty="0" smtClean="0"/>
-              <a:t>ate and time columns were joined into a single </a:t>
+              <a:t>The date and time columns were joined into a single </a:t>
             </a:r>
             <a:r>
               <a:rPr lang="en-US" b="1" dirty="0" err="1" smtClean="0"/>
@@ -8602,11 +8618,7 @@
             <a:pPr algn="just"/>
             <a:r>
               <a:rPr lang="en-US" dirty="0" smtClean="0"/>
-              <a:t>According to documentation, the dataset contains missing values in the measurements (nearly 1,25% of the rows). Anyhow, i</a:t>
-            </a:r>
-            <a:r>
-              <a:rPr lang="en-US" dirty="0" smtClean="0"/>
-              <a:t>t seems we haven't got any missing values according to R.</a:t>
+              <a:t>According to documentation, the dataset contains missing values in the measurements (nearly 1,25% of the rows). Anyhow, it seems we haven't got any missing values according to R.</a:t>
             </a:r>
           </a:p>
           <a:p>
@@ -8764,18 +8776,7 @@
                             </a:schemeClr>
                           </a:solidFill>
                         </a:rPr>
-                        <a:t>Sub_metering_2 </a:t>
-                      </a:r>
-                      <a:r>
-                        <a:rPr lang="en-US" dirty="0" smtClean="0">
-                          <a:solidFill>
-                            <a:schemeClr val="tx1">
-                              <a:lumMod val="95000"/>
-                              <a:lumOff val="5000"/>
-                            </a:schemeClr>
-                          </a:solidFill>
-                        </a:rPr>
-                        <a:t>[W/h]</a:t>
+                        <a:t>Sub_metering_2 [W/h]</a:t>
                       </a:r>
                       <a:endParaRPr lang="en-US" dirty="0">
                         <a:solidFill>
@@ -8803,18 +8804,7 @@
                             </a:schemeClr>
                           </a:solidFill>
                         </a:rPr>
-                        <a:t>Sub_metering_3 </a:t>
-                      </a:r>
-                      <a:r>
-                        <a:rPr lang="en-US" dirty="0" smtClean="0">
-                          <a:solidFill>
-                            <a:schemeClr val="tx1">
-                              <a:lumMod val="95000"/>
-                              <a:lumOff val="5000"/>
-                            </a:schemeClr>
-                          </a:solidFill>
-                        </a:rPr>
-                        <a:t>[W/h]</a:t>
+                        <a:t>Sub_metering_3 [W/h]</a:t>
                       </a:r>
                       <a:endParaRPr lang="en-US" dirty="0">
                         <a:solidFill>
